--- a/IntroductionS.pptx
+++ b/IntroductionS.pptx
@@ -5,7 +5,7 @@
     <p:sldMasterId id="2147483648" r:id="rId1"/>
   </p:sldMasterIdLst>
   <p:notesMasterIdLst>
-    <p:notesMasterId r:id="rId14"/>
+    <p:notesMasterId r:id="rId18"/>
   </p:notesMasterIdLst>
   <p:sldIdLst>
     <p:sldId id="286" r:id="rId2"/>
@@ -19,7 +19,11 @@
     <p:sldId id="295" r:id="rId10"/>
     <p:sldId id="298" r:id="rId11"/>
     <p:sldId id="307" r:id="rId12"/>
-    <p:sldId id="309" r:id="rId13"/>
+    <p:sldId id="311" r:id="rId13"/>
+    <p:sldId id="312" r:id="rId14"/>
+    <p:sldId id="310" r:id="rId15"/>
+    <p:sldId id="313" r:id="rId16"/>
+    <p:sldId id="309" r:id="rId17"/>
   </p:sldIdLst>
   <p:sldSz cx="9144000" cy="6858000" type="screen4x3"/>
   <p:notesSz cx="6858000" cy="9144000"/>
@@ -219,7 +223,7 @@
           <a:p>
             <a:fld id="{63A0C4D1-671C-4261-8517-51F04ECBC99E}" type="datetimeFigureOut">
               <a:rPr lang="zh-TW" altLang="en-US" smtClean="0"/>
-              <a:t>2020/3/4</a:t>
+              <a:t>2021/2/24</a:t>
             </a:fld>
             <a:endParaRPr lang="zh-TW" altLang="en-US"/>
           </a:p>
@@ -283,38 +287,37 @@
           <a:p>
             <a:pPr lvl="0"/>
             <a:r>
-              <a:rPr lang="zh-TW" altLang="en-US" smtClean="0"/>
+              <a:rPr lang="zh-TW" altLang="en-US"/>
               <a:t>編輯母片文字樣式</a:t>
             </a:r>
           </a:p>
           <a:p>
             <a:pPr lvl="1"/>
             <a:r>
-              <a:rPr lang="zh-TW" altLang="en-US" smtClean="0"/>
+              <a:rPr lang="zh-TW" altLang="en-US"/>
               <a:t>第二層</a:t>
             </a:r>
           </a:p>
           <a:p>
             <a:pPr lvl="2"/>
             <a:r>
-              <a:rPr lang="zh-TW" altLang="en-US" smtClean="0"/>
+              <a:rPr lang="zh-TW" altLang="en-US"/>
               <a:t>第三層</a:t>
             </a:r>
           </a:p>
           <a:p>
             <a:pPr lvl="3"/>
             <a:r>
-              <a:rPr lang="zh-TW" altLang="en-US" smtClean="0"/>
+              <a:rPr lang="zh-TW" altLang="en-US"/>
               <a:t>第四層</a:t>
             </a:r>
           </a:p>
           <a:p>
             <a:pPr lvl="4"/>
             <a:r>
-              <a:rPr lang="zh-TW" altLang="en-US" smtClean="0"/>
+              <a:rPr lang="zh-TW" altLang="en-US"/>
               <a:t>第五層</a:t>
             </a:r>
-            <a:endParaRPr lang="zh-TW" altLang="en-US"/>
           </a:p>
         </p:txBody>
       </p:sp>
@@ -718,51 +721,51 @@
               </a:spcBef>
             </a:pPr>
             <a:r>
-              <a:rPr lang="zh-TW" altLang="en-US" smtClean="0"/>
+              <a:rPr lang="zh-TW" altLang="en-US"/>
               <a:t>使用之儀器及資訊系統由各專業廠商提供</a:t>
             </a:r>
             <a:r>
-              <a:rPr lang="en-US" altLang="zh-TW" smtClean="0"/>
+              <a:rPr lang="en-US" altLang="zh-TW"/>
               <a:t>.</a:t>
             </a:r>
             <a:r>
-              <a:rPr lang="zh-TW" altLang="en-US" smtClean="0"/>
+              <a:rPr lang="zh-TW" altLang="en-US"/>
               <a:t>造影檢查流程中</a:t>
             </a:r>
             <a:r>
-              <a:rPr lang="en-US" altLang="zh-TW" smtClean="0"/>
+              <a:rPr lang="en-US" altLang="zh-TW"/>
               <a:t>,</a:t>
             </a:r>
             <a:r>
-              <a:rPr lang="zh-TW" altLang="en-US" smtClean="0"/>
+              <a:rPr lang="zh-TW" altLang="en-US"/>
               <a:t>資訊必須在系統間流通</a:t>
             </a:r>
             <a:r>
-              <a:rPr lang="en-US" altLang="zh-TW" smtClean="0"/>
+              <a:rPr lang="en-US" altLang="zh-TW"/>
               <a:t>.</a:t>
             </a:r>
             <a:r>
-              <a:rPr lang="en-US" altLang="zh-TW" smtClean="0">
+              <a:rPr lang="en-US" altLang="zh-TW">
                 <a:sym typeface="Wingdings" panose="05000000000000000000" pitchFamily="2" charset="2"/>
               </a:rPr>
               <a:t></a:t>
             </a:r>
             <a:r>
-              <a:rPr lang="en-US" altLang="zh-TW" smtClean="0"/>
+              <a:rPr lang="en-US" altLang="zh-TW"/>
               <a:t> </a:t>
             </a:r>
             <a:r>
-              <a:rPr lang="zh-TW" altLang="en-US" smtClean="0"/>
+              <a:rPr lang="zh-TW" altLang="en-US"/>
               <a:t>異質性系統整合</a:t>
             </a:r>
             <a:r>
-              <a:rPr lang="en-US" altLang="zh-TW" smtClean="0"/>
+              <a:rPr lang="en-US" altLang="zh-TW"/>
               <a:t>.</a:t>
             </a:r>
           </a:p>
           <a:p>
             <a:pPr eaLnBrk="1" hangingPunct="1"/>
-            <a:endParaRPr lang="en-US" altLang="zh-TW" smtClean="0"/>
+            <a:endParaRPr lang="en-US" altLang="zh-TW"/>
           </a:p>
         </p:txBody>
       </p:sp>
@@ -817,10 +820,9 @@
           <a:lstStyle/>
           <a:p>
             <a:r>
-              <a:rPr kumimoji="1" lang="zh-TW" altLang="en-US" smtClean="0"/>
+              <a:rPr kumimoji="1" lang="zh-TW" altLang="en-US"/>
               <a:t>按一下以編輯母片標題樣式</a:t>
             </a:r>
-            <a:endParaRPr kumimoji="1" lang="zh-TW" altLang="en-US"/>
           </a:p>
         </p:txBody>
       </p:sp>
@@ -936,10 +938,9 @@
           </a:lstStyle>
           <a:p>
             <a:r>
-              <a:rPr kumimoji="1" lang="zh-TW" altLang="en-US" smtClean="0"/>
+              <a:rPr kumimoji="1" lang="zh-TW" altLang="en-US"/>
               <a:t>按一下以編輯母片子標題樣式</a:t>
             </a:r>
-            <a:endParaRPr kumimoji="1" lang="zh-TW" altLang="en-US"/>
           </a:p>
         </p:txBody>
       </p:sp>
@@ -960,7 +961,7 @@
           <a:p>
             <a:fld id="{481A3301-3204-5541-A90F-129CF5D78E71}" type="datetimeFigureOut">
               <a:rPr kumimoji="1" lang="zh-TW" altLang="en-US" smtClean="0"/>
-              <a:t>2020/3/4</a:t>
+              <a:t>2021/2/24</a:t>
             </a:fld>
             <a:endParaRPr kumimoji="1" lang="zh-TW" altLang="en-US"/>
           </a:p>
@@ -1054,10 +1055,9 @@
           <a:lstStyle/>
           <a:p>
             <a:r>
-              <a:rPr kumimoji="1" lang="zh-TW" altLang="en-US" smtClean="0"/>
+              <a:rPr kumimoji="1" lang="zh-TW" altLang="en-US"/>
               <a:t>按一下以編輯母片標題樣式</a:t>
             </a:r>
-            <a:endParaRPr kumimoji="1" lang="zh-TW" altLang="en-US"/>
           </a:p>
         </p:txBody>
       </p:sp>
@@ -1078,38 +1078,37 @@
           <a:p>
             <a:pPr lvl="0"/>
             <a:r>
-              <a:rPr kumimoji="1" lang="zh-TW" altLang="en-US" smtClean="0"/>
+              <a:rPr kumimoji="1" lang="zh-TW" altLang="en-US"/>
               <a:t>按一下以編輯母片文字樣式</a:t>
             </a:r>
           </a:p>
           <a:p>
             <a:pPr lvl="1"/>
             <a:r>
-              <a:rPr kumimoji="1" lang="zh-TW" altLang="en-US" smtClean="0"/>
+              <a:rPr kumimoji="1" lang="zh-TW" altLang="en-US"/>
               <a:t>第二層</a:t>
             </a:r>
           </a:p>
           <a:p>
             <a:pPr lvl="2"/>
             <a:r>
-              <a:rPr kumimoji="1" lang="zh-TW" altLang="en-US" smtClean="0"/>
+              <a:rPr kumimoji="1" lang="zh-TW" altLang="en-US"/>
               <a:t>第三層</a:t>
             </a:r>
           </a:p>
           <a:p>
             <a:pPr lvl="3"/>
             <a:r>
-              <a:rPr kumimoji="1" lang="zh-TW" altLang="en-US" smtClean="0"/>
+              <a:rPr kumimoji="1" lang="zh-TW" altLang="en-US"/>
               <a:t>第四層</a:t>
             </a:r>
           </a:p>
           <a:p>
             <a:pPr lvl="4"/>
             <a:r>
-              <a:rPr kumimoji="1" lang="zh-TW" altLang="en-US" smtClean="0"/>
+              <a:rPr kumimoji="1" lang="zh-TW" altLang="en-US"/>
               <a:t>第五層</a:t>
             </a:r>
-            <a:endParaRPr kumimoji="1" lang="zh-TW" altLang="en-US"/>
           </a:p>
         </p:txBody>
       </p:sp>
@@ -1130,7 +1129,7 @@
           <a:p>
             <a:fld id="{481A3301-3204-5541-A90F-129CF5D78E71}" type="datetimeFigureOut">
               <a:rPr kumimoji="1" lang="zh-TW" altLang="en-US" smtClean="0"/>
-              <a:t>2020/3/4</a:t>
+              <a:t>2021/2/24</a:t>
             </a:fld>
             <a:endParaRPr kumimoji="1" lang="zh-TW" altLang="en-US"/>
           </a:p>
@@ -1229,10 +1228,9 @@
           <a:lstStyle/>
           <a:p>
             <a:r>
-              <a:rPr kumimoji="1" lang="zh-TW" altLang="en-US" smtClean="0"/>
+              <a:rPr kumimoji="1" lang="zh-TW" altLang="en-US"/>
               <a:t>按一下以編輯母片標題樣式</a:t>
             </a:r>
-            <a:endParaRPr kumimoji="1" lang="zh-TW" altLang="en-US"/>
           </a:p>
         </p:txBody>
       </p:sp>
@@ -1258,38 +1256,37 @@
           <a:p>
             <a:pPr lvl="0"/>
             <a:r>
-              <a:rPr kumimoji="1" lang="zh-TW" altLang="en-US" smtClean="0"/>
+              <a:rPr kumimoji="1" lang="zh-TW" altLang="en-US"/>
               <a:t>按一下以編輯母片文字樣式</a:t>
             </a:r>
           </a:p>
           <a:p>
             <a:pPr lvl="1"/>
             <a:r>
-              <a:rPr kumimoji="1" lang="zh-TW" altLang="en-US" smtClean="0"/>
+              <a:rPr kumimoji="1" lang="zh-TW" altLang="en-US"/>
               <a:t>第二層</a:t>
             </a:r>
           </a:p>
           <a:p>
             <a:pPr lvl="2"/>
             <a:r>
-              <a:rPr kumimoji="1" lang="zh-TW" altLang="en-US" smtClean="0"/>
+              <a:rPr kumimoji="1" lang="zh-TW" altLang="en-US"/>
               <a:t>第三層</a:t>
             </a:r>
           </a:p>
           <a:p>
             <a:pPr lvl="3"/>
             <a:r>
-              <a:rPr kumimoji="1" lang="zh-TW" altLang="en-US" smtClean="0"/>
+              <a:rPr kumimoji="1" lang="zh-TW" altLang="en-US"/>
               <a:t>第四層</a:t>
             </a:r>
           </a:p>
           <a:p>
             <a:pPr lvl="4"/>
             <a:r>
-              <a:rPr kumimoji="1" lang="zh-TW" altLang="en-US" smtClean="0"/>
+              <a:rPr kumimoji="1" lang="zh-TW" altLang="en-US"/>
               <a:t>第五層</a:t>
             </a:r>
-            <a:endParaRPr kumimoji="1" lang="zh-TW" altLang="en-US"/>
           </a:p>
         </p:txBody>
       </p:sp>
@@ -1310,7 +1307,7 @@
           <a:p>
             <a:fld id="{481A3301-3204-5541-A90F-129CF5D78E71}" type="datetimeFigureOut">
               <a:rPr kumimoji="1" lang="zh-TW" altLang="en-US" smtClean="0"/>
-              <a:t>2020/3/4</a:t>
+              <a:t>2021/2/24</a:t>
             </a:fld>
             <a:endParaRPr kumimoji="1" lang="zh-TW" altLang="en-US"/>
           </a:p>
@@ -1404,10 +1401,9 @@
           <a:lstStyle/>
           <a:p>
             <a:r>
-              <a:rPr kumimoji="1" lang="zh-TW" altLang="en-US" smtClean="0"/>
+              <a:rPr kumimoji="1" lang="zh-TW" altLang="en-US"/>
               <a:t>按一下以編輯母片標題樣式</a:t>
             </a:r>
-            <a:endParaRPr kumimoji="1" lang="zh-TW" altLang="en-US"/>
           </a:p>
         </p:txBody>
       </p:sp>
@@ -1428,38 +1424,37 @@
           <a:p>
             <a:pPr lvl="0"/>
             <a:r>
-              <a:rPr kumimoji="1" lang="zh-TW" altLang="en-US" smtClean="0"/>
+              <a:rPr kumimoji="1" lang="zh-TW" altLang="en-US"/>
               <a:t>按一下以編輯母片文字樣式</a:t>
             </a:r>
           </a:p>
           <a:p>
             <a:pPr lvl="1"/>
             <a:r>
-              <a:rPr kumimoji="1" lang="zh-TW" altLang="en-US" smtClean="0"/>
+              <a:rPr kumimoji="1" lang="zh-TW" altLang="en-US"/>
               <a:t>第二層</a:t>
             </a:r>
           </a:p>
           <a:p>
             <a:pPr lvl="2"/>
             <a:r>
-              <a:rPr kumimoji="1" lang="zh-TW" altLang="en-US" smtClean="0"/>
+              <a:rPr kumimoji="1" lang="zh-TW" altLang="en-US"/>
               <a:t>第三層</a:t>
             </a:r>
           </a:p>
           <a:p>
             <a:pPr lvl="3"/>
             <a:r>
-              <a:rPr kumimoji="1" lang="zh-TW" altLang="en-US" smtClean="0"/>
+              <a:rPr kumimoji="1" lang="zh-TW" altLang="en-US"/>
               <a:t>第四層</a:t>
             </a:r>
           </a:p>
           <a:p>
             <a:pPr lvl="4"/>
             <a:r>
-              <a:rPr kumimoji="1" lang="zh-TW" altLang="en-US" smtClean="0"/>
+              <a:rPr kumimoji="1" lang="zh-TW" altLang="en-US"/>
               <a:t>第五層</a:t>
             </a:r>
-            <a:endParaRPr kumimoji="1" lang="zh-TW" altLang="en-US"/>
           </a:p>
         </p:txBody>
       </p:sp>
@@ -1480,7 +1475,7 @@
           <a:p>
             <a:fld id="{481A3301-3204-5541-A90F-129CF5D78E71}" type="datetimeFigureOut">
               <a:rPr kumimoji="1" lang="zh-TW" altLang="en-US" smtClean="0"/>
-              <a:t>2020/3/4</a:t>
+              <a:t>2021/2/24</a:t>
             </a:fld>
             <a:endParaRPr kumimoji="1" lang="zh-TW" altLang="en-US"/>
           </a:p>
@@ -1583,10 +1578,9 @@
           </a:lstStyle>
           <a:p>
             <a:r>
-              <a:rPr kumimoji="1" lang="zh-TW" altLang="en-US" smtClean="0"/>
+              <a:rPr kumimoji="1" lang="zh-TW" altLang="en-US"/>
               <a:t>按一下以編輯母片標題樣式</a:t>
             </a:r>
-            <a:endParaRPr kumimoji="1" lang="zh-TW" altLang="en-US"/>
           </a:p>
         </p:txBody>
       </p:sp>
@@ -1703,7 +1697,7 @@
           <a:p>
             <a:pPr lvl="0"/>
             <a:r>
-              <a:rPr kumimoji="1" lang="zh-TW" altLang="en-US" smtClean="0"/>
+              <a:rPr kumimoji="1" lang="zh-TW" altLang="en-US"/>
               <a:t>按一下以編輯母片文字樣式</a:t>
             </a:r>
           </a:p>
@@ -1726,7 +1720,7 @@
           <a:p>
             <a:fld id="{481A3301-3204-5541-A90F-129CF5D78E71}" type="datetimeFigureOut">
               <a:rPr kumimoji="1" lang="zh-TW" altLang="en-US" smtClean="0"/>
-              <a:t>2020/3/4</a:t>
+              <a:t>2021/2/24</a:t>
             </a:fld>
             <a:endParaRPr kumimoji="1" lang="zh-TW" altLang="en-US"/>
           </a:p>
@@ -1820,10 +1814,9 @@
           <a:lstStyle/>
           <a:p>
             <a:r>
-              <a:rPr kumimoji="1" lang="zh-TW" altLang="en-US" smtClean="0"/>
+              <a:rPr kumimoji="1" lang="zh-TW" altLang="en-US"/>
               <a:t>按一下以編輯母片標題樣式</a:t>
             </a:r>
-            <a:endParaRPr kumimoji="1" lang="zh-TW" altLang="en-US"/>
           </a:p>
         </p:txBody>
       </p:sp>
@@ -1877,38 +1870,37 @@
           <a:p>
             <a:pPr lvl="0"/>
             <a:r>
-              <a:rPr kumimoji="1" lang="zh-TW" altLang="en-US" smtClean="0"/>
+              <a:rPr kumimoji="1" lang="zh-TW" altLang="en-US"/>
               <a:t>按一下以編輯母片文字樣式</a:t>
             </a:r>
           </a:p>
           <a:p>
             <a:pPr lvl="1"/>
             <a:r>
-              <a:rPr kumimoji="1" lang="zh-TW" altLang="en-US" smtClean="0"/>
+              <a:rPr kumimoji="1" lang="zh-TW" altLang="en-US"/>
               <a:t>第二層</a:t>
             </a:r>
           </a:p>
           <a:p>
             <a:pPr lvl="2"/>
             <a:r>
-              <a:rPr kumimoji="1" lang="zh-TW" altLang="en-US" smtClean="0"/>
+              <a:rPr kumimoji="1" lang="zh-TW" altLang="en-US"/>
               <a:t>第三層</a:t>
             </a:r>
           </a:p>
           <a:p>
             <a:pPr lvl="3"/>
             <a:r>
-              <a:rPr kumimoji="1" lang="zh-TW" altLang="en-US" smtClean="0"/>
+              <a:rPr kumimoji="1" lang="zh-TW" altLang="en-US"/>
               <a:t>第四層</a:t>
             </a:r>
           </a:p>
           <a:p>
             <a:pPr lvl="4"/>
             <a:r>
-              <a:rPr kumimoji="1" lang="zh-TW" altLang="en-US" smtClean="0"/>
+              <a:rPr kumimoji="1" lang="zh-TW" altLang="en-US"/>
               <a:t>第五層</a:t>
             </a:r>
-            <a:endParaRPr kumimoji="1" lang="zh-TW" altLang="en-US"/>
           </a:p>
         </p:txBody>
       </p:sp>
@@ -1962,38 +1954,37 @@
           <a:p>
             <a:pPr lvl="0"/>
             <a:r>
-              <a:rPr kumimoji="1" lang="zh-TW" altLang="en-US" smtClean="0"/>
+              <a:rPr kumimoji="1" lang="zh-TW" altLang="en-US"/>
               <a:t>按一下以編輯母片文字樣式</a:t>
             </a:r>
           </a:p>
           <a:p>
             <a:pPr lvl="1"/>
             <a:r>
-              <a:rPr kumimoji="1" lang="zh-TW" altLang="en-US" smtClean="0"/>
+              <a:rPr kumimoji="1" lang="zh-TW" altLang="en-US"/>
               <a:t>第二層</a:t>
             </a:r>
           </a:p>
           <a:p>
             <a:pPr lvl="2"/>
             <a:r>
-              <a:rPr kumimoji="1" lang="zh-TW" altLang="en-US" smtClean="0"/>
+              <a:rPr kumimoji="1" lang="zh-TW" altLang="en-US"/>
               <a:t>第三層</a:t>
             </a:r>
           </a:p>
           <a:p>
             <a:pPr lvl="3"/>
             <a:r>
-              <a:rPr kumimoji="1" lang="zh-TW" altLang="en-US" smtClean="0"/>
+              <a:rPr kumimoji="1" lang="zh-TW" altLang="en-US"/>
               <a:t>第四層</a:t>
             </a:r>
           </a:p>
           <a:p>
             <a:pPr lvl="4"/>
             <a:r>
-              <a:rPr kumimoji="1" lang="zh-TW" altLang="en-US" smtClean="0"/>
+              <a:rPr kumimoji="1" lang="zh-TW" altLang="en-US"/>
               <a:t>第五層</a:t>
             </a:r>
-            <a:endParaRPr kumimoji="1" lang="zh-TW" altLang="en-US"/>
           </a:p>
         </p:txBody>
       </p:sp>
@@ -2014,7 +2005,7 @@
           <a:p>
             <a:fld id="{481A3301-3204-5541-A90F-129CF5D78E71}" type="datetimeFigureOut">
               <a:rPr kumimoji="1" lang="zh-TW" altLang="en-US" smtClean="0"/>
-              <a:t>2020/3/4</a:t>
+              <a:t>2021/2/24</a:t>
             </a:fld>
             <a:endParaRPr kumimoji="1" lang="zh-TW" altLang="en-US"/>
           </a:p>
@@ -2112,10 +2103,9 @@
           </a:lstStyle>
           <a:p>
             <a:r>
-              <a:rPr kumimoji="1" lang="zh-TW" altLang="en-US" smtClean="0"/>
+              <a:rPr kumimoji="1" lang="zh-TW" altLang="en-US"/>
               <a:t>按一下以編輯母片標題樣式</a:t>
             </a:r>
-            <a:endParaRPr kumimoji="1" lang="zh-TW" altLang="en-US"/>
           </a:p>
         </p:txBody>
       </p:sp>
@@ -2178,7 +2168,7 @@
           <a:p>
             <a:pPr lvl="0"/>
             <a:r>
-              <a:rPr kumimoji="1" lang="zh-TW" altLang="en-US" smtClean="0"/>
+              <a:rPr kumimoji="1" lang="zh-TW" altLang="en-US"/>
               <a:t>按一下以編輯母片文字樣式</a:t>
             </a:r>
           </a:p>
@@ -2234,38 +2224,37 @@
           <a:p>
             <a:pPr lvl="0"/>
             <a:r>
-              <a:rPr kumimoji="1" lang="zh-TW" altLang="en-US" smtClean="0"/>
+              <a:rPr kumimoji="1" lang="zh-TW" altLang="en-US"/>
               <a:t>按一下以編輯母片文字樣式</a:t>
             </a:r>
           </a:p>
           <a:p>
             <a:pPr lvl="1"/>
             <a:r>
-              <a:rPr kumimoji="1" lang="zh-TW" altLang="en-US" smtClean="0"/>
+              <a:rPr kumimoji="1" lang="zh-TW" altLang="en-US"/>
               <a:t>第二層</a:t>
             </a:r>
           </a:p>
           <a:p>
             <a:pPr lvl="2"/>
             <a:r>
-              <a:rPr kumimoji="1" lang="zh-TW" altLang="en-US" smtClean="0"/>
+              <a:rPr kumimoji="1" lang="zh-TW" altLang="en-US"/>
               <a:t>第三層</a:t>
             </a:r>
           </a:p>
           <a:p>
             <a:pPr lvl="3"/>
             <a:r>
-              <a:rPr kumimoji="1" lang="zh-TW" altLang="en-US" smtClean="0"/>
+              <a:rPr kumimoji="1" lang="zh-TW" altLang="en-US"/>
               <a:t>第四層</a:t>
             </a:r>
           </a:p>
           <a:p>
             <a:pPr lvl="4"/>
             <a:r>
-              <a:rPr kumimoji="1" lang="zh-TW" altLang="en-US" smtClean="0"/>
+              <a:rPr kumimoji="1" lang="zh-TW" altLang="en-US"/>
               <a:t>第五層</a:t>
             </a:r>
-            <a:endParaRPr kumimoji="1" lang="zh-TW" altLang="en-US"/>
           </a:p>
         </p:txBody>
       </p:sp>
@@ -2328,7 +2317,7 @@
           <a:p>
             <a:pPr lvl="0"/>
             <a:r>
-              <a:rPr kumimoji="1" lang="zh-TW" altLang="en-US" smtClean="0"/>
+              <a:rPr kumimoji="1" lang="zh-TW" altLang="en-US"/>
               <a:t>按一下以編輯母片文字樣式</a:t>
             </a:r>
           </a:p>
@@ -2384,38 +2373,37 @@
           <a:p>
             <a:pPr lvl="0"/>
             <a:r>
-              <a:rPr kumimoji="1" lang="zh-TW" altLang="en-US" smtClean="0"/>
+              <a:rPr kumimoji="1" lang="zh-TW" altLang="en-US"/>
               <a:t>按一下以編輯母片文字樣式</a:t>
             </a:r>
           </a:p>
           <a:p>
             <a:pPr lvl="1"/>
             <a:r>
-              <a:rPr kumimoji="1" lang="zh-TW" altLang="en-US" smtClean="0"/>
+              <a:rPr kumimoji="1" lang="zh-TW" altLang="en-US"/>
               <a:t>第二層</a:t>
             </a:r>
           </a:p>
           <a:p>
             <a:pPr lvl="2"/>
             <a:r>
-              <a:rPr kumimoji="1" lang="zh-TW" altLang="en-US" smtClean="0"/>
+              <a:rPr kumimoji="1" lang="zh-TW" altLang="en-US"/>
               <a:t>第三層</a:t>
             </a:r>
           </a:p>
           <a:p>
             <a:pPr lvl="3"/>
             <a:r>
-              <a:rPr kumimoji="1" lang="zh-TW" altLang="en-US" smtClean="0"/>
+              <a:rPr kumimoji="1" lang="zh-TW" altLang="en-US"/>
               <a:t>第四層</a:t>
             </a:r>
           </a:p>
           <a:p>
             <a:pPr lvl="4"/>
             <a:r>
-              <a:rPr kumimoji="1" lang="zh-TW" altLang="en-US" smtClean="0"/>
+              <a:rPr kumimoji="1" lang="zh-TW" altLang="en-US"/>
               <a:t>第五層</a:t>
             </a:r>
-            <a:endParaRPr kumimoji="1" lang="zh-TW" altLang="en-US"/>
           </a:p>
         </p:txBody>
       </p:sp>
@@ -2436,7 +2424,7 @@
           <a:p>
             <a:fld id="{481A3301-3204-5541-A90F-129CF5D78E71}" type="datetimeFigureOut">
               <a:rPr kumimoji="1" lang="zh-TW" altLang="en-US" smtClean="0"/>
-              <a:t>2020/3/4</a:t>
+              <a:t>2021/2/24</a:t>
             </a:fld>
             <a:endParaRPr kumimoji="1" lang="zh-TW" altLang="en-US"/>
           </a:p>
@@ -2530,10 +2518,9 @@
           <a:lstStyle/>
           <a:p>
             <a:r>
-              <a:rPr kumimoji="1" lang="zh-TW" altLang="en-US" smtClean="0"/>
+              <a:rPr kumimoji="1" lang="zh-TW" altLang="en-US"/>
               <a:t>按一下以編輯母片標題樣式</a:t>
             </a:r>
-            <a:endParaRPr kumimoji="1" lang="zh-TW" altLang="en-US"/>
           </a:p>
         </p:txBody>
       </p:sp>
@@ -2554,7 +2541,7 @@
           <a:p>
             <a:fld id="{481A3301-3204-5541-A90F-129CF5D78E71}" type="datetimeFigureOut">
               <a:rPr kumimoji="1" lang="zh-TW" altLang="en-US" smtClean="0"/>
-              <a:t>2020/3/4</a:t>
+              <a:t>2021/2/24</a:t>
             </a:fld>
             <a:endParaRPr kumimoji="1" lang="zh-TW" altLang="en-US"/>
           </a:p>
@@ -2649,7 +2636,7 @@
           <a:p>
             <a:fld id="{481A3301-3204-5541-A90F-129CF5D78E71}" type="datetimeFigureOut">
               <a:rPr kumimoji="1" lang="zh-TW" altLang="en-US" smtClean="0"/>
-              <a:t>2020/3/4</a:t>
+              <a:t>2021/2/24</a:t>
             </a:fld>
             <a:endParaRPr kumimoji="1" lang="zh-TW" altLang="en-US"/>
           </a:p>
@@ -2752,10 +2739,9 @@
           </a:lstStyle>
           <a:p>
             <a:r>
-              <a:rPr kumimoji="1" lang="zh-TW" altLang="en-US" smtClean="0"/>
+              <a:rPr kumimoji="1" lang="zh-TW" altLang="en-US"/>
               <a:t>按一下以編輯母片標題樣式</a:t>
             </a:r>
-            <a:endParaRPr kumimoji="1" lang="zh-TW" altLang="en-US"/>
           </a:p>
         </p:txBody>
       </p:sp>
@@ -2809,38 +2795,37 @@
           <a:p>
             <a:pPr lvl="0"/>
             <a:r>
-              <a:rPr kumimoji="1" lang="zh-TW" altLang="en-US" smtClean="0"/>
+              <a:rPr kumimoji="1" lang="zh-TW" altLang="en-US"/>
               <a:t>按一下以編輯母片文字樣式</a:t>
             </a:r>
           </a:p>
           <a:p>
             <a:pPr lvl="1"/>
             <a:r>
-              <a:rPr kumimoji="1" lang="zh-TW" altLang="en-US" smtClean="0"/>
+              <a:rPr kumimoji="1" lang="zh-TW" altLang="en-US"/>
               <a:t>第二層</a:t>
             </a:r>
           </a:p>
           <a:p>
             <a:pPr lvl="2"/>
             <a:r>
-              <a:rPr kumimoji="1" lang="zh-TW" altLang="en-US" smtClean="0"/>
+              <a:rPr kumimoji="1" lang="zh-TW" altLang="en-US"/>
               <a:t>第三層</a:t>
             </a:r>
           </a:p>
           <a:p>
             <a:pPr lvl="3"/>
             <a:r>
-              <a:rPr kumimoji="1" lang="zh-TW" altLang="en-US" smtClean="0"/>
+              <a:rPr kumimoji="1" lang="zh-TW" altLang="en-US"/>
               <a:t>第四層</a:t>
             </a:r>
           </a:p>
           <a:p>
             <a:pPr lvl="4"/>
             <a:r>
-              <a:rPr kumimoji="1" lang="zh-TW" altLang="en-US" smtClean="0"/>
+              <a:rPr kumimoji="1" lang="zh-TW" altLang="en-US"/>
               <a:t>第五層</a:t>
             </a:r>
-            <a:endParaRPr kumimoji="1" lang="zh-TW" altLang="en-US"/>
           </a:p>
         </p:txBody>
       </p:sp>
@@ -2903,7 +2888,7 @@
           <a:p>
             <a:pPr lvl="0"/>
             <a:r>
-              <a:rPr kumimoji="1" lang="zh-TW" altLang="en-US" smtClean="0"/>
+              <a:rPr kumimoji="1" lang="zh-TW" altLang="en-US"/>
               <a:t>按一下以編輯母片文字樣式</a:t>
             </a:r>
           </a:p>
@@ -2926,7 +2911,7 @@
           <a:p>
             <a:fld id="{481A3301-3204-5541-A90F-129CF5D78E71}" type="datetimeFigureOut">
               <a:rPr kumimoji="1" lang="zh-TW" altLang="en-US" smtClean="0"/>
-              <a:t>2020/3/4</a:t>
+              <a:t>2021/2/24</a:t>
             </a:fld>
             <a:endParaRPr kumimoji="1" lang="zh-TW" altLang="en-US"/>
           </a:p>
@@ -3029,10 +3014,9 @@
           </a:lstStyle>
           <a:p>
             <a:r>
-              <a:rPr kumimoji="1" lang="zh-TW" altLang="en-US" smtClean="0"/>
+              <a:rPr kumimoji="1" lang="zh-TW" altLang="en-US"/>
               <a:t>按一下以編輯母片標題樣式</a:t>
             </a:r>
-            <a:endParaRPr kumimoji="1" lang="zh-TW" altLang="en-US"/>
           </a:p>
         </p:txBody>
       </p:sp>
@@ -3156,7 +3140,7 @@
           <a:p>
             <a:pPr lvl="0"/>
             <a:r>
-              <a:rPr kumimoji="1" lang="zh-TW" altLang="en-US" smtClean="0"/>
+              <a:rPr kumimoji="1" lang="zh-TW" altLang="en-US"/>
               <a:t>按一下以編輯母片文字樣式</a:t>
             </a:r>
           </a:p>
@@ -3179,7 +3163,7 @@
           <a:p>
             <a:fld id="{481A3301-3204-5541-A90F-129CF5D78E71}" type="datetimeFigureOut">
               <a:rPr kumimoji="1" lang="zh-TW" altLang="en-US" smtClean="0"/>
-              <a:t>2020/3/4</a:t>
+              <a:t>2021/2/24</a:t>
             </a:fld>
             <a:endParaRPr kumimoji="1" lang="zh-TW" altLang="en-US"/>
           </a:p>
@@ -3288,10 +3272,9 @@
           <a:lstStyle/>
           <a:p>
             <a:r>
-              <a:rPr kumimoji="1" lang="zh-TW" altLang="en-US" smtClean="0"/>
+              <a:rPr kumimoji="1" lang="zh-TW" altLang="en-US"/>
               <a:t>按一下以編輯母片標題樣式</a:t>
             </a:r>
-            <a:endParaRPr kumimoji="1" lang="zh-TW" altLang="en-US"/>
           </a:p>
         </p:txBody>
       </p:sp>
@@ -3322,38 +3305,37 @@
           <a:p>
             <a:pPr lvl="0"/>
             <a:r>
-              <a:rPr kumimoji="1" lang="zh-TW" altLang="en-US" smtClean="0"/>
+              <a:rPr kumimoji="1" lang="zh-TW" altLang="en-US"/>
               <a:t>按一下以編輯母片文字樣式</a:t>
             </a:r>
           </a:p>
           <a:p>
             <a:pPr lvl="1"/>
             <a:r>
-              <a:rPr kumimoji="1" lang="zh-TW" altLang="en-US" smtClean="0"/>
+              <a:rPr kumimoji="1" lang="zh-TW" altLang="en-US"/>
               <a:t>第二層</a:t>
             </a:r>
           </a:p>
           <a:p>
             <a:pPr lvl="2"/>
             <a:r>
-              <a:rPr kumimoji="1" lang="zh-TW" altLang="en-US" smtClean="0"/>
+              <a:rPr kumimoji="1" lang="zh-TW" altLang="en-US"/>
               <a:t>第三層</a:t>
             </a:r>
           </a:p>
           <a:p>
             <a:pPr lvl="3"/>
             <a:r>
-              <a:rPr kumimoji="1" lang="zh-TW" altLang="en-US" smtClean="0"/>
+              <a:rPr kumimoji="1" lang="zh-TW" altLang="en-US"/>
               <a:t>第四層</a:t>
             </a:r>
           </a:p>
           <a:p>
             <a:pPr lvl="4"/>
             <a:r>
-              <a:rPr kumimoji="1" lang="zh-TW" altLang="en-US" smtClean="0"/>
+              <a:rPr kumimoji="1" lang="zh-TW" altLang="en-US"/>
               <a:t>第五層</a:t>
             </a:r>
-            <a:endParaRPr kumimoji="1" lang="zh-TW" altLang="en-US"/>
           </a:p>
         </p:txBody>
       </p:sp>
@@ -3392,7 +3374,7 @@
           <a:p>
             <a:fld id="{481A3301-3204-5541-A90F-129CF5D78E71}" type="datetimeFigureOut">
               <a:rPr kumimoji="1" lang="zh-TW" altLang="en-US" smtClean="0"/>
-              <a:t>2020/3/4</a:t>
+              <a:t>2021/2/24</a:t>
             </a:fld>
             <a:endParaRPr kumimoji="1" lang="zh-TW" altLang="en-US"/>
           </a:p>
@@ -3783,10 +3765,9 @@
           <a:lstStyle/>
           <a:p>
             <a:r>
-              <a:rPr lang="zh-TW" altLang="en-US" dirty="0" smtClean="0"/>
+              <a:rPr lang="zh-TW" altLang="en-US" dirty="0"/>
               <a:t>醫學影像系統開發入門</a:t>
             </a:r>
-            <a:endParaRPr lang="zh-TW" altLang="en-US" dirty="0"/>
           </a:p>
         </p:txBody>
       </p:sp>
@@ -3811,21 +3792,8 @@
                   <a:schemeClr val="tx1"/>
                 </a:solidFill>
               </a:rPr>
-              <a:t>醫</a:t>
-            </a:r>
-            <a:r>
-              <a:rPr lang="zh-TW" altLang="en-US" dirty="0" smtClean="0">
-                <a:solidFill>
-                  <a:schemeClr val="tx1"/>
-                </a:solidFill>
-              </a:rPr>
-              <a:t>資系 蕭嘉宏</a:t>
-            </a:r>
-            <a:endParaRPr lang="zh-TW" altLang="en-US" dirty="0">
-              <a:solidFill>
-                <a:schemeClr val="tx1"/>
-              </a:solidFill>
-            </a:endParaRPr>
+              <a:t>醫資系 蕭嘉宏</a:t>
+            </a:r>
           </a:p>
         </p:txBody>
       </p:sp>
@@ -3881,15 +3849,7 @@
           <a:p>
             <a:r>
               <a:rPr lang="zh-TW" altLang="en-US" dirty="0"/>
-              <a:t>需</a:t>
-            </a:r>
-            <a:r>
-              <a:rPr lang="zh-TW" altLang="en-US" dirty="0" smtClean="0"/>
-              <a:t>要的</a:t>
-            </a:r>
-            <a:r>
-              <a:rPr lang="zh-TW" altLang="en-US" dirty="0"/>
-              <a:t>技能</a:t>
+              <a:t>需要的技能</a:t>
             </a:r>
           </a:p>
         </p:txBody>
@@ -3911,144 +3871,141 @@
           </a:xfrm>
         </p:spPr>
         <p:txBody>
-          <a:bodyPr/>
+          <a:bodyPr>
+            <a:normAutofit lnSpcReduction="10000"/>
+          </a:bodyPr>
           <a:lstStyle/>
           <a:p>
             <a:r>
-              <a:rPr lang="zh-TW" altLang="en-US" dirty="0" smtClean="0"/>
+              <a:rPr lang="zh-TW" altLang="en-US" dirty="0"/>
               <a:t>程式及資訊技能</a:t>
             </a:r>
-            <a:endParaRPr lang="en-US" altLang="zh-TW" dirty="0" smtClean="0"/>
+            <a:endParaRPr lang="en-US" altLang="zh-TW" dirty="0"/>
           </a:p>
           <a:p>
             <a:pPr lvl="1"/>
             <a:r>
-              <a:rPr lang="en-US" altLang="zh-TW" dirty="0" smtClean="0"/>
+              <a:rPr lang="en-US" altLang="zh-TW" dirty="0"/>
               <a:t>JavaScript or C</a:t>
             </a:r>
             <a:r>
-              <a:rPr lang="zh-TW" altLang="en-US" dirty="0" smtClean="0"/>
+              <a:rPr lang="zh-TW" altLang="en-US" dirty="0"/>
               <a:t>， 及其繪圖指令</a:t>
             </a:r>
             <a:r>
-              <a:rPr lang="en-US" altLang="zh-TW" dirty="0" smtClean="0"/>
+              <a:rPr lang="en-US" altLang="zh-TW" dirty="0"/>
               <a:t>:</a:t>
             </a:r>
           </a:p>
           <a:p>
             <a:pPr lvl="1"/>
             <a:r>
-              <a:rPr lang="en-US" altLang="zh-TW" dirty="0" smtClean="0"/>
+              <a:rPr lang="en-US" altLang="zh-TW" dirty="0"/>
               <a:t>JS HTML5 canvas</a:t>
             </a:r>
             <a:r>
-              <a:rPr lang="zh-TW" altLang="en-US" dirty="0" smtClean="0"/>
+              <a:rPr lang="zh-TW" altLang="en-US" dirty="0"/>
               <a:t> </a:t>
             </a:r>
             <a:r>
-              <a:rPr lang="en-US" altLang="zh-TW" dirty="0" smtClean="0"/>
+              <a:rPr lang="en-US" altLang="zh-TW" dirty="0"/>
               <a:t>or </a:t>
             </a:r>
             <a:r>
-              <a:rPr lang="en-US" altLang="zh-TW" dirty="0" err="1" smtClean="0"/>
+              <a:rPr lang="en-US" altLang="zh-TW" dirty="0" err="1"/>
               <a:t>Qt</a:t>
             </a:r>
             <a:r>
-              <a:rPr lang="en-US" altLang="zh-TW" dirty="0" smtClean="0"/>
+              <a:rPr lang="en-US" altLang="zh-TW" dirty="0"/>
               <a:t> C++ Graphics </a:t>
             </a:r>
           </a:p>
           <a:p>
             <a:r>
-              <a:rPr lang="en-US" altLang="zh-TW" dirty="0" smtClean="0"/>
+              <a:rPr lang="en-US" altLang="zh-TW" dirty="0"/>
               <a:t>2D </a:t>
             </a:r>
             <a:r>
-              <a:rPr lang="zh-TW" altLang="en-US" dirty="0" smtClean="0"/>
+              <a:rPr lang="zh-TW" altLang="en-US" dirty="0"/>
               <a:t>幾何及 </a:t>
             </a:r>
             <a:r>
-              <a:rPr lang="en-US" altLang="zh-TW" dirty="0" smtClean="0"/>
+              <a:rPr lang="en-US" altLang="zh-TW" dirty="0"/>
               <a:t>3D</a:t>
             </a:r>
             <a:r>
-              <a:rPr lang="zh-TW" altLang="en-US" dirty="0" smtClean="0"/>
+              <a:rPr lang="zh-TW" altLang="en-US" dirty="0"/>
               <a:t> 投影</a:t>
             </a:r>
             <a:r>
-              <a:rPr lang="en-US" altLang="zh-TW" dirty="0" smtClean="0"/>
+              <a:rPr lang="en-US" altLang="zh-TW" dirty="0"/>
               <a:t>(</a:t>
             </a:r>
             <a:r>
-              <a:rPr lang="zh-TW" altLang="en-US" dirty="0" smtClean="0"/>
+              <a:rPr lang="zh-TW" altLang="en-US" dirty="0"/>
               <a:t>國高中數學終於</a:t>
             </a:r>
             <a:r>
-              <a:rPr lang="zh-TW" altLang="en-US" smtClean="0"/>
+              <a:rPr lang="zh-TW" altLang="en-US"/>
               <a:t>用到了</a:t>
             </a:r>
             <a:r>
               <a:rPr lang="en-US" altLang="zh-TW"/>
-              <a:t>)</a:t>
-            </a:r>
-            <a:r>
-              <a:rPr lang="en-US" altLang="zh-TW" smtClean="0"/>
-              <a:t> </a:t>
-            </a:r>
-            <a:endParaRPr lang="en-US" altLang="zh-TW" dirty="0" smtClean="0"/>
-          </a:p>
-          <a:p>
-            <a:r>
-              <a:rPr lang="zh-TW" altLang="en-US" dirty="0" smtClean="0"/>
+              <a:t>) </a:t>
+            </a:r>
+            <a:endParaRPr lang="en-US" altLang="zh-TW" dirty="0"/>
+          </a:p>
+          <a:p>
+            <a:r>
+              <a:rPr lang="zh-TW" altLang="en-US" dirty="0"/>
               <a:t>臨床作業流程及需求規格</a:t>
             </a:r>
-            <a:endParaRPr lang="en-US" altLang="zh-TW" dirty="0" smtClean="0"/>
+            <a:endParaRPr lang="en-US" altLang="zh-TW" dirty="0"/>
           </a:p>
           <a:p>
             <a:pPr lvl="1"/>
             <a:r>
-              <a:rPr lang="zh-TW" altLang="en-US" dirty="0" smtClean="0"/>
+              <a:rPr lang="zh-TW" altLang="en-US" dirty="0"/>
               <a:t>針對特定情境</a:t>
             </a:r>
             <a:r>
-              <a:rPr lang="en-US" altLang="zh-TW" dirty="0" smtClean="0"/>
+              <a:rPr lang="en-US" altLang="zh-TW" dirty="0"/>
               <a:t>:</a:t>
             </a:r>
             <a:r>
-              <a:rPr lang="zh-TW" altLang="en-US" dirty="0" smtClean="0"/>
+              <a:rPr lang="zh-TW" altLang="en-US" dirty="0"/>
               <a:t> 醫護人員想什麼、要什麼</a:t>
             </a:r>
-            <a:endParaRPr lang="en-US" altLang="zh-TW" dirty="0" smtClean="0"/>
-          </a:p>
-          <a:p>
-            <a:r>
-              <a:rPr lang="zh-TW" altLang="en-US" dirty="0" smtClean="0"/>
+            <a:endParaRPr lang="en-US" altLang="zh-TW" dirty="0"/>
+          </a:p>
+          <a:p>
+            <a:r>
+              <a:rPr lang="zh-TW" altLang="en-US" dirty="0"/>
               <a:t>醫學資訊標準</a:t>
             </a:r>
-            <a:endParaRPr lang="en-US" altLang="zh-TW" dirty="0" smtClean="0"/>
+            <a:endParaRPr lang="en-US" altLang="zh-TW" dirty="0"/>
           </a:p>
           <a:p>
             <a:pPr lvl="1"/>
             <a:r>
-              <a:rPr lang="en-US" altLang="zh-TW" dirty="0" smtClean="0"/>
+              <a:rPr lang="en-US" altLang="zh-TW" dirty="0"/>
               <a:t>FHIR</a:t>
             </a:r>
             <a:r>
-              <a:rPr lang="zh-TW" altLang="en-US" dirty="0" smtClean="0"/>
+              <a:rPr lang="zh-TW" altLang="en-US" dirty="0"/>
               <a:t>、</a:t>
             </a:r>
             <a:r>
-              <a:rPr lang="en-US" altLang="zh-TW" dirty="0" err="1" smtClean="0"/>
+              <a:rPr lang="en-US" altLang="zh-TW" dirty="0" err="1"/>
               <a:t>DICOMWeb</a:t>
             </a:r>
             <a:endParaRPr lang="en-US" altLang="zh-TW" dirty="0"/>
           </a:p>
           <a:p>
             <a:r>
-              <a:rPr lang="zh-TW" altLang="en-US" dirty="0" smtClean="0"/>
+              <a:rPr lang="zh-TW" altLang="en-US" dirty="0"/>
               <a:t>專案管理、團隊合作</a:t>
             </a:r>
-            <a:endParaRPr lang="zh-TW" altLang="en-US" dirty="0"/>
           </a:p>
         </p:txBody>
       </p:sp>
@@ -4098,10 +4055,9 @@
           <a:lstStyle/>
           <a:p>
             <a:r>
-              <a:rPr lang="zh-TW" altLang="en-US" dirty="0" smtClean="0"/>
-              <a:t>近期活動</a:t>
-            </a:r>
-            <a:endParaRPr lang="zh-TW" altLang="en-US" dirty="0"/>
+              <a:rPr lang="zh-TW" altLang="en-US" dirty="0"/>
+              <a:t>課程要求及評量</a:t>
+            </a:r>
           </a:p>
         </p:txBody>
       </p:sp>
@@ -4117,158 +4073,107 @@
         </p:nvSpPr>
         <p:spPr/>
         <p:txBody>
-          <a:bodyPr/>
+          <a:bodyPr>
+            <a:normAutofit fontScale="92500" lnSpcReduction="20000"/>
+          </a:bodyPr>
           <a:lstStyle/>
           <a:p>
             <a:r>
               <a:rPr lang="zh-TW" altLang="en-US" dirty="0"/>
-              <a:t>近</a:t>
-            </a:r>
-            <a:r>
-              <a:rPr lang="zh-TW" altLang="en-US" dirty="0" smtClean="0"/>
-              <a:t>期</a:t>
-            </a:r>
-            <a:r>
-              <a:rPr lang="zh-TW" altLang="en-US" dirty="0" smtClean="0"/>
-              <a:t>視訊</a:t>
-            </a:r>
-            <a:endParaRPr lang="en-US" altLang="zh-TW" dirty="0" smtClean="0"/>
+              <a:t>課程參與 </a:t>
+            </a:r>
+            <a:r>
+              <a:rPr lang="en-US" altLang="zh-TW" dirty="0"/>
+              <a:t>20 %</a:t>
+            </a:r>
           </a:p>
           <a:p>
             <a:pPr lvl="1"/>
             <a:r>
-              <a:rPr lang="en-US" altLang="zh-TW" dirty="0" smtClean="0"/>
-              <a:t>2/27 </a:t>
-            </a:r>
-            <a:r>
-              <a:rPr lang="zh-TW" altLang="en-US" dirty="0" smtClean="0"/>
-              <a:t>週三 </a:t>
-            </a:r>
-            <a:r>
-              <a:rPr lang="en-US" altLang="zh-TW" dirty="0" smtClean="0"/>
-              <a:t>19:30--21:00</a:t>
+              <a:rPr lang="zh-TW" altLang="en-US" dirty="0"/>
+              <a:t>現場、視訊</a:t>
+            </a:r>
+            <a:endParaRPr lang="en-US" altLang="zh-TW" dirty="0"/>
+          </a:p>
+          <a:p>
+            <a:r>
+              <a:rPr lang="zh-TW" altLang="en-US" dirty="0"/>
+              <a:t>共同作業 </a:t>
+            </a:r>
+            <a:r>
+              <a:rPr lang="en-US" altLang="zh-TW" dirty="0"/>
+              <a:t>30 %</a:t>
+            </a:r>
+          </a:p>
+          <a:p>
+            <a:r>
+              <a:rPr lang="zh-TW" altLang="en-US" dirty="0"/>
+              <a:t>報告及心得分享 </a:t>
+            </a:r>
+            <a:r>
+              <a:rPr lang="en-US" altLang="zh-TW" dirty="0"/>
+              <a:t>30 %</a:t>
             </a:r>
           </a:p>
           <a:p>
             <a:pPr lvl="1"/>
             <a:r>
-              <a:rPr lang="en-US" altLang="zh-TW" dirty="0" smtClean="0"/>
-              <a:t>2/28 </a:t>
-            </a:r>
-            <a:r>
-              <a:rPr lang="zh-TW" altLang="en-US" dirty="0" smtClean="0"/>
-              <a:t>週五</a:t>
-            </a:r>
-            <a:r>
-              <a:rPr lang="en-US" altLang="zh-TW" dirty="0" smtClean="0"/>
-              <a:t> 20:00--10:00 FHIR API</a:t>
+              <a:rPr lang="zh-TW" altLang="en-US" dirty="0"/>
+              <a:t>資料及教材整理、</a:t>
+            </a:r>
+            <a:r>
+              <a:rPr lang="zh-TW" altLang="en-US" b="1" dirty="0"/>
+              <a:t>提問、分享</a:t>
+            </a:r>
+            <a:endParaRPr lang="en-US" altLang="zh-TW" b="1" dirty="0"/>
+          </a:p>
+          <a:p>
+            <a:r>
+              <a:rPr lang="zh-TW" altLang="en-US" dirty="0"/>
+              <a:t>合作專案 </a:t>
+            </a:r>
+            <a:r>
+              <a:rPr lang="en-US" altLang="zh-TW" dirty="0"/>
+              <a:t>100 %</a:t>
+            </a:r>
+          </a:p>
+          <a:p>
+            <a:pPr lvl="1"/>
+            <a:r>
+              <a:rPr lang="zh-TW" altLang="en-US" dirty="0"/>
+              <a:t>聯繫協調、會議記錄、需求、功能條列、分工、專案追蹤、成果報告及系統展示</a:t>
             </a:r>
             <a:endParaRPr lang="en-US" altLang="zh-TW" dirty="0"/>
           </a:p>
           <a:p>
             <a:pPr lvl="1"/>
             <a:r>
-              <a:rPr lang="en-US" altLang="zh-TW" dirty="0" smtClean="0"/>
-              <a:t>3/1 </a:t>
-            </a:r>
-            <a:r>
-              <a:rPr lang="zh-TW" altLang="en-US" dirty="0" smtClean="0"/>
-              <a:t>週日</a:t>
-            </a:r>
-            <a:r>
-              <a:rPr lang="en-US" altLang="zh-TW" dirty="0" smtClean="0"/>
-              <a:t> 10:00---12:00 JS</a:t>
-            </a:r>
-            <a:r>
-              <a:rPr lang="zh-TW" altLang="en-US" dirty="0" smtClean="0"/>
-              <a:t> </a:t>
-            </a:r>
-            <a:r>
-              <a:rPr lang="en-US" altLang="zh-TW" dirty="0" smtClean="0"/>
-              <a:t>form </a:t>
-            </a:r>
-            <a:r>
-              <a:rPr lang="zh-TW" altLang="en-US" dirty="0" smtClean="0"/>
-              <a:t>複習</a:t>
-            </a:r>
-            <a:endParaRPr lang="en-US" altLang="zh-TW" dirty="0" smtClean="0"/>
+              <a:rPr lang="zh-TW" altLang="en-US" b="1" dirty="0"/>
+              <a:t>可多人一組</a:t>
+            </a:r>
+            <a:r>
+              <a:rPr lang="en-US" altLang="zh-TW" b="1" dirty="0"/>
+              <a:t>(</a:t>
+            </a:r>
+            <a:r>
+              <a:rPr lang="zh-TW" altLang="en-US" b="1" dirty="0"/>
+              <a:t>同系最多三人一組</a:t>
+            </a:r>
+            <a:r>
+              <a:rPr lang="en-US" altLang="zh-TW" b="1" dirty="0"/>
+              <a:t>)</a:t>
+            </a:r>
           </a:p>
           <a:p>
             <a:pPr lvl="1"/>
             <a:r>
-              <a:rPr lang="en-US" altLang="zh-TW" dirty="0"/>
-              <a:t>3/4 </a:t>
-            </a:r>
-            <a:r>
-              <a:rPr lang="en-US" altLang="zh-TW" dirty="0" smtClean="0"/>
-              <a:t> </a:t>
-            </a:r>
-            <a:r>
-              <a:rPr lang="zh-TW" altLang="en-US" dirty="0" smtClean="0"/>
-              <a:t>週三 </a:t>
-            </a:r>
-            <a:r>
-              <a:rPr lang="en-US" altLang="zh-TW" dirty="0" smtClean="0"/>
-              <a:t>19:00-</a:t>
-            </a:r>
-            <a:r>
-              <a:rPr lang="en-US" altLang="zh-TW" dirty="0"/>
-              <a:t>-</a:t>
-            </a:r>
-            <a:r>
-              <a:rPr lang="en-US" altLang="zh-TW" dirty="0" smtClean="0"/>
-              <a:t>21:00</a:t>
-            </a:r>
-            <a:r>
-              <a:rPr lang="zh-TW" altLang="en-US" dirty="0" smtClean="0"/>
-              <a:t> </a:t>
-            </a:r>
-            <a:r>
-              <a:rPr lang="en-US" altLang="zh-TW" dirty="0" smtClean="0"/>
-              <a:t>@</a:t>
-            </a:r>
-            <a:r>
-              <a:rPr lang="zh-TW" altLang="en-US" dirty="0" smtClean="0"/>
-              <a:t>陽明大學</a:t>
-            </a:r>
-            <a:endParaRPr lang="en-US" altLang="zh-TW" dirty="0" smtClean="0"/>
-          </a:p>
-          <a:p>
-            <a:r>
-              <a:rPr lang="zh-TW" altLang="en-US" dirty="0" smtClean="0"/>
-              <a:t>慈大現場討論</a:t>
-            </a:r>
-            <a:endParaRPr lang="en-US" altLang="zh-TW" dirty="0" smtClean="0"/>
-          </a:p>
-          <a:p>
-            <a:pPr lvl="1"/>
-            <a:r>
-              <a:rPr lang="zh-TW" altLang="en-US" dirty="0" smtClean="0"/>
-              <a:t>週五七八堂 </a:t>
-            </a:r>
-            <a:r>
-              <a:rPr lang="en-US" altLang="zh-TW" dirty="0" smtClean="0"/>
-              <a:t>@</a:t>
-            </a:r>
-            <a:r>
-              <a:rPr lang="zh-TW" altLang="en-US" dirty="0" smtClean="0"/>
-              <a:t> </a:t>
-            </a:r>
-            <a:r>
-              <a:rPr lang="en-US" altLang="zh-TW" dirty="0" smtClean="0"/>
-              <a:t>H505 </a:t>
-            </a:r>
-            <a:r>
-              <a:rPr lang="zh-TW" altLang="en-US" dirty="0" smtClean="0"/>
-              <a:t>電腦教室</a:t>
-            </a:r>
+              <a:rPr lang="zh-TW" altLang="en-US" b="1" dirty="0"/>
+              <a:t>鼓勵跨系跨校合作</a:t>
+            </a:r>
+            <a:endParaRPr lang="en-US" altLang="zh-TW" b="1" dirty="0"/>
+          </a:p>
+          <a:p>
             <a:endParaRPr lang="en-US" altLang="zh-TW" dirty="0"/>
-          </a:p>
-          <a:p>
-            <a:endParaRPr lang="en-US" altLang="zh-TW" dirty="0"/>
-          </a:p>
-          <a:p>
-            <a:endParaRPr lang="en-US" altLang="zh-TW" dirty="0" smtClean="0"/>
           </a:p>
           <a:p>
             <a:endParaRPr lang="zh-TW" altLang="en-US" dirty="0"/>
@@ -4307,7 +4212,13 @@
       </p:grpSpPr>
       <p:sp>
         <p:nvSpPr>
-          <p:cNvPr id="2" name="標題 1"/>
+          <p:cNvPr id="2" name="標題 1">
+            <a:extLst>
+              <a:ext uri="{FF2B5EF4-FFF2-40B4-BE49-F238E27FC236}">
+                <a16:creationId xmlns:a16="http://schemas.microsoft.com/office/drawing/2014/main" id="{2666F93D-D49A-4915-8107-484DC3445A06}"/>
+              </a:ext>
+            </a:extLst>
+          </p:cNvPr>
           <p:cNvSpPr>
             <a:spLocks noGrp="1"/>
           </p:cNvSpPr>
@@ -4321,8 +4232,12 @@
           <a:lstStyle/>
           <a:p>
             <a:r>
-              <a:rPr lang="zh-TW" altLang="en-US" dirty="0" smtClean="0"/>
-              <a:t>深具發展前景</a:t>
+              <a:rPr lang="zh-TW" altLang="en-US" dirty="0"/>
+              <a:t>聯繫方式 </a:t>
+            </a:r>
+            <a:r>
+              <a:rPr lang="en-US" altLang="zh-TW" dirty="0"/>
+              <a:t>1</a:t>
             </a:r>
             <a:endParaRPr lang="zh-TW" altLang="en-US" dirty="0"/>
           </a:p>
@@ -4330,14 +4245,185 @@
       </p:sp>
       <p:sp>
         <p:nvSpPr>
-          <p:cNvPr id="3" name="內容版面配置區 2"/>
-          <p:cNvSpPr>
-            <a:spLocks noGrp="1"/>
+          <p:cNvPr id="4" name="AutoShape 2" descr="152361406_10208013081882226_5344720345312476688_n.jpg">
+            <a:extLst>
+              <a:ext uri="{FF2B5EF4-FFF2-40B4-BE49-F238E27FC236}">
+                <a16:creationId xmlns:a16="http://schemas.microsoft.com/office/drawing/2014/main" id="{A8C41642-090A-4928-BB84-D87139E60489}"/>
+              </a:ext>
+            </a:extLst>
+          </p:cNvPr>
+          <p:cNvSpPr>
+            <a:spLocks noGrp="1" noChangeAspect="1" noChangeArrowheads="1"/>
           </p:cNvSpPr>
           <p:nvPr>
             <p:ph idx="1"/>
           </p:nvPr>
         </p:nvSpPr>
+        <p:spPr bwMode="auto">
+          <a:xfrm>
+            <a:off x="457200" y="1600200"/>
+            <a:ext cx="8229600" cy="2615339"/>
+          </a:xfrm>
+          <a:prstGeom prst="rect">
+            <a:avLst/>
+          </a:prstGeom>
+          <a:noFill/>
+          <a:extLst>
+            <a:ext uri="{909E8E84-426E-40DD-AFC4-6F175D3DCCD1}">
+              <a14:hiddenFill xmlns:a14="http://schemas.microsoft.com/office/drawing/2010/main">
+                <a:solidFill>
+                  <a:srgbClr val="FFFFFF"/>
+                </a:solidFill>
+              </a14:hiddenFill>
+            </a:ext>
+          </a:extLst>
+        </p:spPr>
+        <p:txBody>
+          <a:bodyPr vert="horz" wrap="square" lIns="91440" tIns="45720" rIns="91440" bIns="45720" numCol="1" anchor="t" anchorCtr="0" compatLnSpc="1">
+            <a:prstTxWarp prst="textNoShape">
+              <a:avLst/>
+            </a:prstTxWarp>
+            <a:normAutofit lnSpcReduction="10000"/>
+          </a:bodyPr>
+          <a:lstStyle/>
+          <a:p>
+            <a:r>
+              <a:rPr lang="zh-TW" altLang="en-US" dirty="0"/>
+              <a:t>週三及周五晚上視訊連結</a:t>
+            </a:r>
+            <a:r>
+              <a:rPr lang="en-US" altLang="zh-TW" dirty="0"/>
+              <a:t>: meet.google.com/</a:t>
+            </a:r>
+            <a:r>
+              <a:rPr lang="en-US" altLang="zh-TW" dirty="0" err="1"/>
+              <a:t>gie-hphd-zxd</a:t>
+            </a:r>
+            <a:endParaRPr lang="en-US" altLang="zh-TW" dirty="0"/>
+          </a:p>
+          <a:p>
+            <a:r>
+              <a:rPr lang="en-US" altLang="zh-TW" dirty="0"/>
+              <a:t>“</a:t>
+            </a:r>
+            <a:r>
+              <a:rPr lang="zh-TW" altLang="en-US" dirty="0"/>
+              <a:t>醫學影像系統開發入門</a:t>
+            </a:r>
+            <a:r>
+              <a:rPr lang="en-US" altLang="zh-TW" dirty="0"/>
+              <a:t>”</a:t>
+            </a:r>
+            <a:r>
+              <a:rPr lang="zh-TW" altLang="en-US" dirty="0"/>
+              <a:t> </a:t>
+            </a:r>
+            <a:r>
+              <a:rPr lang="en-US" altLang="zh-TW" dirty="0"/>
+              <a:t> line </a:t>
+            </a:r>
+            <a:r>
+              <a:rPr lang="zh-TW" altLang="en-US" dirty="0"/>
+              <a:t>群組連結</a:t>
+            </a:r>
+            <a:r>
+              <a:rPr lang="en-US" altLang="zh-TW" dirty="0"/>
+              <a:t>:  https://line.me/R/ti/g/3JZSmZBsKu</a:t>
+            </a:r>
+          </a:p>
+          <a:p>
+            <a:r>
+              <a:rPr lang="en-US" altLang="zh-TW" dirty="0"/>
+              <a:t> </a:t>
+            </a:r>
+            <a:r>
+              <a:rPr lang="zh-TW" altLang="en-US" dirty="0"/>
+              <a:t> </a:t>
+            </a:r>
+            <a:r>
+              <a:rPr lang="en-US" altLang="zh-TW" dirty="0"/>
+              <a:t>QR </a:t>
+            </a:r>
+            <a:endParaRPr lang="zh-TW" altLang="en-US" dirty="0"/>
+          </a:p>
+        </p:txBody>
+      </p:sp>
+      <p:pic>
+        <p:nvPicPr>
+          <p:cNvPr id="6" name="圖片 5">
+            <a:extLst>
+              <a:ext uri="{FF2B5EF4-FFF2-40B4-BE49-F238E27FC236}">
+                <a16:creationId xmlns:a16="http://schemas.microsoft.com/office/drawing/2014/main" id="{1A8182A7-EC4E-4CB5-B818-E51D33B2DDCC}"/>
+              </a:ext>
+            </a:extLst>
+          </p:cNvPr>
+          <p:cNvPicPr>
+            <a:picLocks noChangeAspect="1"/>
+          </p:cNvPicPr>
+          <p:nvPr/>
+        </p:nvPicPr>
+        <p:blipFill>
+          <a:blip r:embed="rId2"/>
+          <a:stretch>
+            <a:fillRect/>
+          </a:stretch>
+        </p:blipFill>
+        <p:spPr>
+          <a:xfrm>
+            <a:off x="4174047" y="3643231"/>
+            <a:ext cx="3513111" cy="3513111"/>
+          </a:xfrm>
+          <a:prstGeom prst="rect">
+            <a:avLst/>
+          </a:prstGeom>
+        </p:spPr>
+      </p:pic>
+    </p:spTree>
+    <p:extLst>
+      <p:ext uri="{BB962C8B-B14F-4D97-AF65-F5344CB8AC3E}">
+        <p14:creationId xmlns:p14="http://schemas.microsoft.com/office/powerpoint/2010/main" val="1752166526"/>
+      </p:ext>
+    </p:extLst>
+  </p:cSld>
+  <p:clrMapOvr>
+    <a:masterClrMapping/>
+  </p:clrMapOvr>
+</p:sld>
+</file>
+
+<file path=ppt/slides/slide13.xml><?xml version="1.0" encoding="utf-8"?>
+<p:sld xmlns:a="http://schemas.openxmlformats.org/drawingml/2006/main" xmlns:r="http://schemas.openxmlformats.org/officeDocument/2006/relationships" xmlns:p="http://schemas.openxmlformats.org/presentationml/2006/main">
+  <p:cSld>
+    <p:spTree>
+      <p:nvGrpSpPr>
+        <p:cNvPr id="1" name=""/>
+        <p:cNvGrpSpPr/>
+        <p:nvPr/>
+      </p:nvGrpSpPr>
+      <p:grpSpPr>
+        <a:xfrm>
+          <a:off x="0" y="0"/>
+          <a:ext cx="0" cy="0"/>
+          <a:chOff x="0" y="0"/>
+          <a:chExt cx="0" cy="0"/>
+        </a:xfrm>
+      </p:grpSpPr>
+      <p:sp>
+        <p:nvSpPr>
+          <p:cNvPr id="2" name="標題 1">
+            <a:extLst>
+              <a:ext uri="{FF2B5EF4-FFF2-40B4-BE49-F238E27FC236}">
+                <a16:creationId xmlns:a16="http://schemas.microsoft.com/office/drawing/2014/main" id="{385C66F8-56BB-4488-8998-40D28071B28C}"/>
+              </a:ext>
+            </a:extLst>
+          </p:cNvPr>
+          <p:cNvSpPr>
+            <a:spLocks noGrp="1"/>
+          </p:cNvSpPr>
+          <p:nvPr>
+            <p:ph type="title"/>
+          </p:nvPr>
+        </p:nvSpPr>
         <p:spPr/>
         <p:txBody>
           <a:bodyPr/>
@@ -4345,31 +4431,605 @@
           <a:p>
             <a:r>
               <a:rPr lang="zh-TW" altLang="en-US" dirty="0"/>
-              <a:t>需</a:t>
-            </a:r>
-            <a:r>
-              <a:rPr lang="zh-TW" altLang="en-US" dirty="0" smtClean="0"/>
-              <a:t>要的知能眾多，如何學習</a:t>
-            </a:r>
-            <a:r>
-              <a:rPr lang="en-US" altLang="zh-TW" dirty="0" smtClean="0"/>
+              <a:t>聯繫方式 </a:t>
+            </a:r>
+            <a:r>
+              <a:rPr lang="en-US" altLang="zh-TW" dirty="0"/>
+              <a:t>2</a:t>
+            </a:r>
+            <a:endParaRPr lang="zh-TW" altLang="en-US" dirty="0"/>
+          </a:p>
+        </p:txBody>
+      </p:sp>
+      <p:sp>
+        <p:nvSpPr>
+          <p:cNvPr id="3" name="內容版面配置區 2">
+            <a:extLst>
+              <a:ext uri="{FF2B5EF4-FFF2-40B4-BE49-F238E27FC236}">
+                <a16:creationId xmlns:a16="http://schemas.microsoft.com/office/drawing/2014/main" id="{282F533C-2056-4746-B48C-A717457EEE5D}"/>
+              </a:ext>
+            </a:extLst>
+          </p:cNvPr>
+          <p:cNvSpPr>
+            <a:spLocks noGrp="1"/>
+          </p:cNvSpPr>
+          <p:nvPr>
+            <p:ph idx="1"/>
+          </p:nvPr>
+        </p:nvSpPr>
+        <p:spPr/>
+        <p:txBody>
+          <a:bodyPr>
+            <a:normAutofit/>
+          </a:bodyPr>
+          <a:lstStyle/>
+          <a:p>
+            <a:r>
+              <a:rPr lang="zh-TW" altLang="en-US" dirty="0"/>
+              <a:t>慈大蕭嘉宏老師 </a:t>
+            </a:r>
+            <a:r>
+              <a:rPr lang="en-US" altLang="zh-TW" dirty="0"/>
+              <a:t>mail: chhsiao@gms.tcu.edu.tw</a:t>
+            </a:r>
+          </a:p>
+          <a:p>
+            <a:r>
+              <a:rPr lang="en-US" altLang="zh-TW" dirty="0"/>
+              <a:t>FB </a:t>
+            </a:r>
+            <a:r>
+              <a:rPr lang="zh-TW" altLang="en-US" dirty="0"/>
+              <a:t>搜尋 </a:t>
+            </a:r>
+            <a:r>
+              <a:rPr lang="en-US" altLang="zh-TW" dirty="0"/>
+              <a:t>"</a:t>
+            </a:r>
+            <a:r>
+              <a:rPr lang="zh-TW" altLang="en-US" dirty="0"/>
+              <a:t>醫學影像系統開發入門</a:t>
+            </a:r>
+            <a:r>
+              <a:rPr lang="en-US" altLang="zh-TW" dirty="0"/>
+              <a:t>"  </a:t>
+            </a:r>
+            <a:r>
+              <a:rPr lang="zh-TW" altLang="en-US" dirty="0"/>
+              <a:t>並加入此社群</a:t>
+            </a:r>
+          </a:p>
+        </p:txBody>
+      </p:sp>
+    </p:spTree>
+    <p:extLst>
+      <p:ext uri="{BB962C8B-B14F-4D97-AF65-F5344CB8AC3E}">
+        <p14:creationId xmlns:p14="http://schemas.microsoft.com/office/powerpoint/2010/main" val="2481912182"/>
+      </p:ext>
+    </p:extLst>
+  </p:cSld>
+  <p:clrMapOvr>
+    <a:masterClrMapping/>
+  </p:clrMapOvr>
+</p:sld>
+</file>
+
+<file path=ppt/slides/slide14.xml><?xml version="1.0" encoding="utf-8"?>
+<p:sld xmlns:a="http://schemas.openxmlformats.org/drawingml/2006/main" xmlns:r="http://schemas.openxmlformats.org/officeDocument/2006/relationships" xmlns:p="http://schemas.openxmlformats.org/presentationml/2006/main">
+  <p:cSld>
+    <p:spTree>
+      <p:nvGrpSpPr>
+        <p:cNvPr id="1" name=""/>
+        <p:cNvGrpSpPr/>
+        <p:nvPr/>
+      </p:nvGrpSpPr>
+      <p:grpSpPr>
+        <a:xfrm>
+          <a:off x="0" y="0"/>
+          <a:ext cx="0" cy="0"/>
+          <a:chOff x="0" y="0"/>
+          <a:chExt cx="0" cy="0"/>
+        </a:xfrm>
+      </p:grpSpPr>
+      <p:sp>
+        <p:nvSpPr>
+          <p:cNvPr id="2" name="標題 1">
+            <a:extLst>
+              <a:ext uri="{FF2B5EF4-FFF2-40B4-BE49-F238E27FC236}">
+                <a16:creationId xmlns:a16="http://schemas.microsoft.com/office/drawing/2014/main" id="{0CC4798E-6EA0-4CB3-AC0B-4545240F2160}"/>
+              </a:ext>
+            </a:extLst>
+          </p:cNvPr>
+          <p:cNvSpPr>
+            <a:spLocks noGrp="1"/>
+          </p:cNvSpPr>
+          <p:nvPr>
+            <p:ph type="title"/>
+          </p:nvPr>
+        </p:nvSpPr>
+        <p:spPr/>
+        <p:txBody>
+          <a:bodyPr/>
+          <a:lstStyle/>
+          <a:p>
+            <a:r>
+              <a:rPr lang="zh-TW" altLang="en-US" dirty="0"/>
+              <a:t>近期視訊及課堂上課</a:t>
+            </a:r>
+          </a:p>
+        </p:txBody>
+      </p:sp>
+      <p:sp>
+        <p:nvSpPr>
+          <p:cNvPr id="3" name="內容版面配置區 2">
+            <a:extLst>
+              <a:ext uri="{FF2B5EF4-FFF2-40B4-BE49-F238E27FC236}">
+                <a16:creationId xmlns:a16="http://schemas.microsoft.com/office/drawing/2014/main" id="{07F9402B-B37C-41DE-827C-11FDF2432239}"/>
+              </a:ext>
+            </a:extLst>
+          </p:cNvPr>
+          <p:cNvSpPr>
+            <a:spLocks noGrp="1"/>
+          </p:cNvSpPr>
+          <p:nvPr>
+            <p:ph idx="1"/>
+          </p:nvPr>
+        </p:nvSpPr>
+        <p:spPr>
+          <a:xfrm>
+            <a:off x="511444" y="1642364"/>
+            <a:ext cx="8229600" cy="4708525"/>
+          </a:xfrm>
+        </p:spPr>
+        <p:txBody>
+          <a:bodyPr>
+            <a:normAutofit fontScale="92500" lnSpcReduction="20000"/>
+          </a:bodyPr>
+          <a:lstStyle/>
+          <a:p>
+            <a:r>
+              <a:rPr lang="en-US" altLang="zh-TW" dirty="0"/>
+              <a:t>2/26 </a:t>
+            </a:r>
+            <a:r>
+              <a:rPr lang="zh-TW" altLang="en-US" dirty="0"/>
+              <a:t>週五晚上 </a:t>
+            </a:r>
+            <a:r>
+              <a:rPr lang="en-US" altLang="zh-TW" dirty="0"/>
+              <a:t>7:00—9:00 </a:t>
+            </a:r>
+            <a:r>
+              <a:rPr lang="zh-TW" altLang="en-US" dirty="0"/>
+              <a:t>視訊</a:t>
+            </a:r>
+            <a:endParaRPr lang="en-US" altLang="zh-TW" dirty="0"/>
+          </a:p>
+          <a:p>
+            <a:pPr lvl="1"/>
+            <a:r>
+              <a:rPr lang="zh-TW" altLang="en-US" dirty="0"/>
+              <a:t>下午不上課</a:t>
+            </a:r>
+            <a:endParaRPr lang="en-US" altLang="zh-TW" dirty="0"/>
+          </a:p>
+          <a:p>
+            <a:r>
+              <a:rPr lang="en-US" altLang="zh-TW" dirty="0"/>
+              <a:t>3/3 </a:t>
+            </a:r>
+            <a:r>
+              <a:rPr lang="zh-TW" altLang="en-US" dirty="0"/>
+              <a:t>週三晚上晚上 </a:t>
+            </a:r>
+            <a:r>
+              <a:rPr lang="en-US" altLang="zh-TW" dirty="0"/>
+              <a:t>7:00—8:00 </a:t>
+            </a:r>
+            <a:r>
+              <a:rPr lang="zh-TW" altLang="en-US" dirty="0"/>
+              <a:t>現場</a:t>
+            </a:r>
+            <a:r>
+              <a:rPr lang="en-US" altLang="zh-TW" dirty="0"/>
+              <a:t> </a:t>
+            </a:r>
+          </a:p>
+          <a:p>
+            <a:r>
+              <a:rPr lang="en-US" altLang="zh-TW" dirty="0"/>
+              <a:t>3/5 </a:t>
+            </a:r>
+            <a:r>
+              <a:rPr lang="zh-TW" altLang="en-US" dirty="0"/>
+              <a:t>週五晚上 </a:t>
+            </a:r>
+            <a:r>
+              <a:rPr lang="en-US" altLang="zh-TW" dirty="0"/>
+              <a:t>7:00—9:00 </a:t>
+            </a:r>
+            <a:r>
+              <a:rPr lang="zh-TW" altLang="en-US" dirty="0"/>
+              <a:t>視訊</a:t>
+            </a:r>
+            <a:endParaRPr lang="en-US" altLang="zh-TW" dirty="0"/>
+          </a:p>
+          <a:p>
+            <a:pPr lvl="1"/>
+            <a:r>
+              <a:rPr lang="zh-TW" altLang="en-US" dirty="0"/>
+              <a:t>檢查同學 </a:t>
+            </a:r>
+            <a:r>
+              <a:rPr lang="en-US" altLang="zh-TW" dirty="0" err="1"/>
+              <a:t>github</a:t>
+            </a:r>
+            <a:r>
+              <a:rPr lang="zh-TW" altLang="en-US" dirty="0"/>
+              <a:t> 帳號申請、個人電腦 </a:t>
+            </a:r>
+            <a:r>
+              <a:rPr lang="en-US" altLang="zh-TW" dirty="0"/>
+              <a:t>git </a:t>
+            </a:r>
+            <a:r>
+              <a:rPr lang="zh-TW" altLang="en-US" dirty="0"/>
+              <a:t>工具、開發工具安裝狀況。</a:t>
+            </a:r>
+            <a:endParaRPr lang="en-US" altLang="zh-TW" dirty="0"/>
+          </a:p>
+          <a:p>
+            <a:pPr lvl="1"/>
+            <a:r>
+              <a:rPr lang="zh-TW" altLang="en-US" dirty="0"/>
+              <a:t>徵小老師輔導及檢查同學安裝狀況</a:t>
+            </a:r>
+            <a:r>
+              <a:rPr lang="en-US" altLang="zh-TW" dirty="0"/>
+              <a:t>(</a:t>
+            </a:r>
+            <a:r>
+              <a:rPr lang="zh-TW" altLang="en-US" dirty="0"/>
+              <a:t>算成績</a:t>
+            </a:r>
+            <a:r>
+              <a:rPr lang="en-US" altLang="zh-TW" dirty="0"/>
+              <a:t>)</a:t>
+            </a:r>
+          </a:p>
+          <a:p>
+            <a:pPr lvl="1"/>
+            <a:r>
+              <a:rPr lang="zh-TW" altLang="en-US" dirty="0"/>
+              <a:t>下午不上課</a:t>
+            </a:r>
+            <a:endParaRPr lang="en-US" altLang="zh-TW" dirty="0"/>
+          </a:p>
+          <a:p>
+            <a:r>
+              <a:rPr lang="en-US" altLang="zh-TW" dirty="0"/>
+              <a:t>3/6 </a:t>
+            </a:r>
+            <a:r>
+              <a:rPr lang="zh-TW" altLang="en-US" dirty="0"/>
+              <a:t>週六 </a:t>
+            </a:r>
+            <a:r>
+              <a:rPr lang="en-US" altLang="zh-TW" dirty="0"/>
+              <a:t>FHIR Genomics </a:t>
+            </a:r>
+            <a:r>
+              <a:rPr lang="zh-TW" altLang="en-US" dirty="0"/>
+              <a:t>教育訓練 </a:t>
+            </a:r>
+            <a:endParaRPr lang="en-US" altLang="zh-TW" dirty="0"/>
+          </a:p>
+          <a:p>
+            <a:pPr lvl="1"/>
+            <a:r>
+              <a:rPr lang="zh-TW" altLang="en-US" dirty="0"/>
+              <a:t>地點陽明交大</a:t>
+            </a:r>
+            <a:endParaRPr lang="en-US" altLang="zh-TW" dirty="0"/>
+          </a:p>
+          <a:p>
+            <a:pPr lvl="1"/>
+            <a:r>
+              <a:rPr lang="zh-TW" altLang="en-US" dirty="0"/>
+              <a:t>報名網址</a:t>
+            </a:r>
+            <a:r>
+              <a:rPr lang="en-US" altLang="zh-TW" dirty="0"/>
+              <a:t>:</a:t>
+            </a:r>
+            <a:r>
+              <a:rPr lang="zh-TW" altLang="en-US" dirty="0"/>
+              <a:t> </a:t>
+            </a:r>
+            <a:r>
+              <a:rPr lang="en-US" altLang="zh-TW" dirty="0"/>
+              <a:t>https://forms.gle/AWm58wWWzvz19jyH8 </a:t>
+            </a:r>
+            <a:endParaRPr lang="zh-TW" altLang="en-US" dirty="0"/>
+          </a:p>
+          <a:p>
+            <a:endParaRPr lang="zh-TW" altLang="en-US" dirty="0"/>
+          </a:p>
+          <a:p>
+            <a:endParaRPr lang="zh-TW" altLang="en-US" dirty="0"/>
+          </a:p>
+        </p:txBody>
+      </p:sp>
+    </p:spTree>
+    <p:extLst>
+      <p:ext uri="{BB962C8B-B14F-4D97-AF65-F5344CB8AC3E}">
+        <p14:creationId xmlns:p14="http://schemas.microsoft.com/office/powerpoint/2010/main" val="1108592079"/>
+      </p:ext>
+    </p:extLst>
+  </p:cSld>
+  <p:clrMapOvr>
+    <a:masterClrMapping/>
+  </p:clrMapOvr>
+</p:sld>
+</file>
+
+<file path=ppt/slides/slide15.xml><?xml version="1.0" encoding="utf-8"?>
+<p:sld xmlns:a="http://schemas.openxmlformats.org/drawingml/2006/main" xmlns:r="http://schemas.openxmlformats.org/officeDocument/2006/relationships" xmlns:p="http://schemas.openxmlformats.org/presentationml/2006/main">
+  <p:cSld>
+    <p:spTree>
+      <p:nvGrpSpPr>
+        <p:cNvPr id="1" name=""/>
+        <p:cNvGrpSpPr/>
+        <p:nvPr/>
+      </p:nvGrpSpPr>
+      <p:grpSpPr>
+        <a:xfrm>
+          <a:off x="0" y="0"/>
+          <a:ext cx="0" cy="0"/>
+          <a:chOff x="0" y="0"/>
+          <a:chExt cx="0" cy="0"/>
+        </a:xfrm>
+      </p:grpSpPr>
+      <p:sp>
+        <p:nvSpPr>
+          <p:cNvPr id="2" name="標題 1">
+            <a:extLst>
+              <a:ext uri="{FF2B5EF4-FFF2-40B4-BE49-F238E27FC236}">
+                <a16:creationId xmlns:a16="http://schemas.microsoft.com/office/drawing/2014/main" id="{1065BCDE-0639-45A9-964D-B7A3AA3C8389}"/>
+              </a:ext>
+            </a:extLst>
+          </p:cNvPr>
+          <p:cNvSpPr>
+            <a:spLocks noGrp="1"/>
+          </p:cNvSpPr>
+          <p:nvPr>
+            <p:ph type="title"/>
+          </p:nvPr>
+        </p:nvSpPr>
+        <p:spPr/>
+        <p:txBody>
+          <a:bodyPr/>
+          <a:lstStyle/>
+          <a:p>
+            <a:r>
+              <a:rPr lang="zh-TW" altLang="en-US" dirty="0"/>
+              <a:t>開發環境</a:t>
+            </a:r>
+          </a:p>
+        </p:txBody>
+      </p:sp>
+      <p:sp>
+        <p:nvSpPr>
+          <p:cNvPr id="3" name="內容版面配置區 2">
+            <a:extLst>
+              <a:ext uri="{FF2B5EF4-FFF2-40B4-BE49-F238E27FC236}">
+                <a16:creationId xmlns:a16="http://schemas.microsoft.com/office/drawing/2014/main" id="{38A7EBE2-BC74-401E-9583-2B09E4B59A92}"/>
+              </a:ext>
+            </a:extLst>
+          </p:cNvPr>
+          <p:cNvSpPr>
+            <a:spLocks noGrp="1"/>
+          </p:cNvSpPr>
+          <p:nvPr>
+            <p:ph idx="1"/>
+          </p:nvPr>
+        </p:nvSpPr>
+        <p:spPr>
+          <a:xfrm>
+            <a:off x="457200" y="1356102"/>
+            <a:ext cx="8229600" cy="4770061"/>
+          </a:xfrm>
+        </p:spPr>
+        <p:txBody>
+          <a:bodyPr>
+            <a:normAutofit fontScale="85000" lnSpcReduction="20000"/>
+          </a:bodyPr>
+          <a:lstStyle/>
+          <a:p>
+            <a:r>
+              <a:rPr lang="zh-TW" altLang="en-US" dirty="0"/>
+              <a:t>申請 </a:t>
+            </a:r>
+            <a:r>
+              <a:rPr lang="en-US" altLang="zh-TW" dirty="0" err="1"/>
+              <a:t>Github</a:t>
+            </a:r>
+            <a:r>
+              <a:rPr lang="en-US" altLang="zh-TW" dirty="0"/>
+              <a:t> </a:t>
+            </a:r>
+            <a:r>
+              <a:rPr lang="zh-TW" altLang="en-US" dirty="0"/>
+              <a:t>帳號</a:t>
+            </a:r>
+            <a:endParaRPr lang="en-US" altLang="zh-TW" dirty="0"/>
+          </a:p>
+          <a:p>
+            <a:pPr lvl="1"/>
+            <a:r>
+              <a:rPr lang="en-US" altLang="zh-TW" dirty="0"/>
+              <a:t>https://mos2718.github.io/W1//GitPPTs/apply%20github%20account.pptx</a:t>
+            </a:r>
+          </a:p>
+          <a:p>
+            <a:r>
+              <a:rPr lang="zh-TW" altLang="en-US" dirty="0"/>
+              <a:t>個人電腦 </a:t>
+            </a:r>
+            <a:r>
+              <a:rPr lang="en-US" altLang="zh-TW" dirty="0"/>
+              <a:t>git </a:t>
+            </a:r>
+            <a:r>
+              <a:rPr lang="zh-TW" altLang="en-US" dirty="0"/>
+              <a:t>工具</a:t>
+            </a:r>
+            <a:endParaRPr lang="en-US" altLang="zh-TW" dirty="0"/>
+          </a:p>
+          <a:p>
+            <a:pPr lvl="1"/>
+            <a:r>
+              <a:rPr lang="en-US" altLang="zh-TW" dirty="0" err="1"/>
+              <a:t>tortoiseGit</a:t>
+            </a:r>
+            <a:r>
+              <a:rPr lang="en-US" altLang="zh-TW" dirty="0"/>
+              <a:t>: https://mos2718.github.io/W1//GitPPTs/index.html</a:t>
+            </a:r>
+          </a:p>
+          <a:p>
+            <a:r>
+              <a:rPr lang="zh-TW" altLang="en-US" dirty="0"/>
+              <a:t>網頁前端開發工具</a:t>
+            </a:r>
+            <a:endParaRPr lang="en-US" altLang="zh-TW" dirty="0"/>
+          </a:p>
+          <a:p>
+            <a:pPr lvl="1"/>
+            <a:r>
+              <a:rPr lang="en-US" altLang="zh-TW" dirty="0"/>
+              <a:t>VS code</a:t>
+            </a:r>
+          </a:p>
+          <a:p>
+            <a:pPr lvl="1"/>
+            <a:r>
+              <a:rPr lang="en-US" altLang="zh-TW" dirty="0">
+                <a:hlinkClick r:id="rId2"/>
+              </a:rPr>
+              <a:t>https://mos2718.github.io/FHIRclinicalReport/VSCode/Index.html</a:t>
+            </a:r>
+            <a:endParaRPr lang="en-US" altLang="zh-TW" dirty="0"/>
+          </a:p>
+          <a:p>
+            <a:pPr lvl="1"/>
+            <a:endParaRPr lang="en-US" altLang="zh-TW" dirty="0"/>
+          </a:p>
+          <a:p>
+            <a:r>
+              <a:rPr lang="zh-TW" altLang="en-US" dirty="0"/>
+              <a:t>也可安裝其他</a:t>
+            </a:r>
+            <a:r>
+              <a:rPr lang="en-US" altLang="zh-TW" dirty="0"/>
+              <a:t>git </a:t>
+            </a:r>
+            <a:r>
+              <a:rPr lang="zh-TW" altLang="en-US" dirty="0"/>
+              <a:t>工具及開發環境</a:t>
+            </a:r>
+          </a:p>
+        </p:txBody>
+      </p:sp>
+    </p:spTree>
+    <p:extLst>
+      <p:ext uri="{BB962C8B-B14F-4D97-AF65-F5344CB8AC3E}">
+        <p14:creationId xmlns:p14="http://schemas.microsoft.com/office/powerpoint/2010/main" val="1189880129"/>
+      </p:ext>
+    </p:extLst>
+  </p:cSld>
+  <p:clrMapOvr>
+    <a:masterClrMapping/>
+  </p:clrMapOvr>
+</p:sld>
+</file>
+
+<file path=ppt/slides/slide16.xml><?xml version="1.0" encoding="utf-8"?>
+<p:sld xmlns:a="http://schemas.openxmlformats.org/drawingml/2006/main" xmlns:r="http://schemas.openxmlformats.org/officeDocument/2006/relationships" xmlns:p="http://schemas.openxmlformats.org/presentationml/2006/main">
+  <p:cSld>
+    <p:spTree>
+      <p:nvGrpSpPr>
+        <p:cNvPr id="1" name=""/>
+        <p:cNvGrpSpPr/>
+        <p:nvPr/>
+      </p:nvGrpSpPr>
+      <p:grpSpPr>
+        <a:xfrm>
+          <a:off x="0" y="0"/>
+          <a:ext cx="0" cy="0"/>
+          <a:chOff x="0" y="0"/>
+          <a:chExt cx="0" cy="0"/>
+        </a:xfrm>
+      </p:grpSpPr>
+      <p:sp>
+        <p:nvSpPr>
+          <p:cNvPr id="2" name="標題 1"/>
+          <p:cNvSpPr>
+            <a:spLocks noGrp="1"/>
+          </p:cNvSpPr>
+          <p:nvPr>
+            <p:ph type="title"/>
+          </p:nvPr>
+        </p:nvSpPr>
+        <p:spPr/>
+        <p:txBody>
+          <a:bodyPr/>
+          <a:lstStyle/>
+          <a:p>
+            <a:r>
+              <a:rPr lang="zh-TW" altLang="en-US" dirty="0"/>
+              <a:t>深具發展前景</a:t>
+            </a:r>
+          </a:p>
+        </p:txBody>
+      </p:sp>
+      <p:sp>
+        <p:nvSpPr>
+          <p:cNvPr id="3" name="內容版面配置區 2"/>
+          <p:cNvSpPr>
+            <a:spLocks noGrp="1"/>
+          </p:cNvSpPr>
+          <p:nvPr>
+            <p:ph idx="1"/>
+          </p:nvPr>
+        </p:nvSpPr>
+        <p:spPr/>
+        <p:txBody>
+          <a:bodyPr/>
+          <a:lstStyle/>
+          <a:p>
+            <a:r>
+              <a:rPr lang="zh-TW" altLang="en-US" dirty="0"/>
+              <a:t>需要的知能眾多，如何學習</a:t>
+            </a:r>
+            <a:r>
+              <a:rPr lang="en-US" altLang="zh-TW" dirty="0"/>
               <a:t>?</a:t>
             </a:r>
+          </a:p>
+          <a:p>
             <a:endParaRPr lang="en-US" altLang="zh-TW" dirty="0"/>
           </a:p>
           <a:p>
-            <a:endParaRPr lang="en-US" altLang="zh-TW" dirty="0" smtClean="0"/>
-          </a:p>
-          <a:p>
             <a:endParaRPr lang="en-US" altLang="zh-TW" dirty="0"/>
           </a:p>
           <a:p>
             <a:r>
-              <a:rPr lang="zh-TW" altLang="en-US" dirty="0" smtClean="0"/>
+              <a:rPr lang="zh-TW" altLang="en-US" dirty="0"/>
               <a:t>如何分工合作</a:t>
             </a:r>
             <a:r>
-              <a:rPr lang="en-US" altLang="zh-TW" dirty="0" smtClean="0"/>
+              <a:rPr lang="en-US" altLang="zh-TW" dirty="0"/>
               <a:t>?</a:t>
             </a:r>
           </a:p>
@@ -8083,13 +8743,6 @@
   <p:clrMapOvr>
     <a:masterClrMapping/>
   </p:clrMapOvr>
-  <p:timing>
-    <p:tnLst>
-      <p:par>
-        <p:cTn id="1" dur="indefinite" restart="never" nodeType="tmRoot"/>
-      </p:par>
-    </p:tnLst>
-  </p:timing>
 </p:sld>
 </file>
 
@@ -8132,11 +8785,11 @@
           <a:p>
             <a:pPr eaLnBrk="1" hangingPunct="1"/>
             <a:r>
-              <a:rPr lang="en-US" altLang="zh-TW" smtClean="0"/>
+              <a:rPr lang="en-US" altLang="zh-TW"/>
               <a:t>PACS </a:t>
             </a:r>
             <a:r>
-              <a:rPr lang="zh-TW" altLang="en-US" smtClean="0"/>
+              <a:rPr lang="zh-TW" altLang="en-US"/>
               <a:t>各子系統功能</a:t>
             </a:r>
           </a:p>
@@ -8159,7 +8812,9 @@
           </a:xfrm>
         </p:spPr>
         <p:txBody>
-          <a:bodyPr/>
+          <a:bodyPr>
+            <a:normAutofit lnSpcReduction="10000"/>
+          </a:bodyPr>
           <a:lstStyle/>
           <a:p>
             <a:pPr eaLnBrk="1" hangingPunct="1">
@@ -8168,7 +8823,7 @@
               </a:lnSpc>
             </a:pPr>
             <a:r>
-              <a:rPr lang="en-US" altLang="zh-TW" sz="2600" dirty="0" smtClean="0"/>
+              <a:rPr lang="en-US" altLang="zh-TW" sz="2600" dirty="0"/>
               <a:t>Modalities (CT,MR,US,CR…)</a:t>
             </a:r>
           </a:p>
@@ -8179,15 +8834,15 @@
               </a:lnSpc>
             </a:pPr>
             <a:r>
-              <a:rPr kumimoji="0" lang="en-US" altLang="zh-TW" sz="2200" dirty="0" smtClean="0"/>
+              <a:rPr kumimoji="0" lang="en-US" altLang="zh-TW" sz="2200" dirty="0"/>
               <a:t>Imaging (</a:t>
             </a:r>
             <a:r>
-              <a:rPr kumimoji="0" lang="zh-TW" altLang="en-US" sz="2200" dirty="0" smtClean="0"/>
+              <a:rPr kumimoji="0" lang="zh-TW" altLang="en-US" sz="2200" dirty="0"/>
               <a:t>造影成像</a:t>
             </a:r>
             <a:r>
-              <a:rPr kumimoji="0" lang="en-US" altLang="zh-TW" sz="2200" dirty="0" smtClean="0"/>
+              <a:rPr kumimoji="0" lang="en-US" altLang="zh-TW" sz="2200" dirty="0"/>
               <a:t>)</a:t>
             </a:r>
           </a:p>
@@ -8198,7 +8853,7 @@
               </a:lnSpc>
             </a:pPr>
             <a:r>
-              <a:rPr lang="en-US" altLang="zh-TW" sz="2200" dirty="0" smtClean="0"/>
+              <a:rPr lang="en-US" altLang="zh-TW" sz="2200" dirty="0"/>
               <a:t>DICOM store SCU (Service Class User)</a:t>
             </a:r>
           </a:p>
@@ -8208,7 +8863,7 @@
                 <a:spcPct val="80000"/>
               </a:lnSpc>
             </a:pPr>
-            <a:endParaRPr lang="en-US" altLang="zh-TW" sz="2600" dirty="0" smtClean="0"/>
+            <a:endParaRPr lang="en-US" altLang="zh-TW" sz="2600" dirty="0"/>
           </a:p>
           <a:p>
             <a:pPr eaLnBrk="1" hangingPunct="1">
@@ -8217,7 +8872,7 @@
               </a:lnSpc>
             </a:pPr>
             <a:r>
-              <a:rPr lang="en-US" altLang="zh-TW" sz="2600" dirty="0" smtClean="0"/>
+              <a:rPr lang="en-US" altLang="zh-TW" sz="2600" dirty="0"/>
               <a:t>DICOM Server</a:t>
             </a:r>
           </a:p>
@@ -8228,15 +8883,15 @@
               </a:lnSpc>
             </a:pPr>
             <a:r>
-              <a:rPr lang="en-US" altLang="zh-TW" sz="2200" dirty="0" smtClean="0"/>
+              <a:rPr lang="en-US" altLang="zh-TW" sz="2200" dirty="0"/>
               <a:t>Image archiver and manager(</a:t>
             </a:r>
             <a:r>
-              <a:rPr lang="zh-TW" altLang="en-US" sz="2200" dirty="0" smtClean="0"/>
+              <a:rPr lang="zh-TW" altLang="en-US" sz="2200" dirty="0"/>
               <a:t>影像儲存管理</a:t>
             </a:r>
             <a:r>
-              <a:rPr lang="en-US" altLang="zh-TW" sz="2200" dirty="0" smtClean="0"/>
+              <a:rPr lang="en-US" altLang="zh-TW" sz="2200" dirty="0"/>
               <a:t>)    </a:t>
             </a:r>
           </a:p>
@@ -8247,15 +8902,15 @@
               </a:lnSpc>
             </a:pPr>
             <a:r>
-              <a:rPr lang="en-US" altLang="zh-TW" sz="2200" dirty="0" smtClean="0"/>
+              <a:rPr lang="en-US" altLang="zh-TW" sz="2200" dirty="0"/>
               <a:t>DICOM store SCP (Service Class Provider)</a:t>
             </a:r>
             <a:r>
-              <a:rPr lang="zh-TW" altLang="en-US" sz="2200" dirty="0" smtClean="0"/>
+              <a:rPr lang="zh-TW" altLang="en-US" sz="2200" dirty="0"/>
               <a:t>、 </a:t>
             </a:r>
             <a:r>
-              <a:rPr lang="en-US" altLang="zh-TW" sz="2200" dirty="0" smtClean="0"/>
+              <a:rPr lang="en-US" altLang="zh-TW" sz="2200" dirty="0"/>
               <a:t>DICOM Query/Retrieve SCP</a:t>
             </a:r>
           </a:p>
@@ -8265,7 +8920,7 @@
                 <a:spcPct val="80000"/>
               </a:lnSpc>
             </a:pPr>
-            <a:endParaRPr lang="en-US" altLang="zh-TW" sz="2600" dirty="0" smtClean="0"/>
+            <a:endParaRPr lang="en-US" altLang="zh-TW" sz="2600" dirty="0"/>
           </a:p>
           <a:p>
             <a:pPr eaLnBrk="1" hangingPunct="1">
@@ -8274,7 +8929,7 @@
               </a:lnSpc>
             </a:pPr>
             <a:r>
-              <a:rPr lang="en-US" altLang="zh-TW" sz="2600" dirty="0" smtClean="0"/>
+              <a:rPr lang="en-US" altLang="zh-TW" sz="2600" dirty="0"/>
               <a:t>DICOM Viewer</a:t>
             </a:r>
           </a:p>
@@ -8285,15 +8940,15 @@
               </a:lnSpc>
             </a:pPr>
             <a:r>
-              <a:rPr lang="en-US" altLang="zh-TW" sz="2200" dirty="0" smtClean="0"/>
+              <a:rPr lang="en-US" altLang="zh-TW" sz="2200" dirty="0"/>
               <a:t>Viewing images(</a:t>
             </a:r>
             <a:r>
-              <a:rPr lang="zh-TW" altLang="en-US" sz="2200" dirty="0" smtClean="0"/>
+              <a:rPr lang="zh-TW" altLang="en-US" sz="2200" dirty="0"/>
               <a:t>影像顯示</a:t>
             </a:r>
             <a:r>
-              <a:rPr lang="en-US" altLang="zh-TW" sz="2200" dirty="0" smtClean="0"/>
+              <a:rPr lang="en-US" altLang="zh-TW" sz="2200" dirty="0"/>
               <a:t>)</a:t>
             </a:r>
           </a:p>
@@ -8304,7 +8959,7 @@
               </a:lnSpc>
             </a:pPr>
             <a:r>
-              <a:rPr lang="en-US" altLang="zh-TW" sz="2200" dirty="0" smtClean="0"/>
+              <a:rPr lang="en-US" altLang="zh-TW" sz="2200" dirty="0"/>
               <a:t>DICOM Query/Retrieve SCU</a:t>
             </a:r>
           </a:p>
@@ -8314,7 +8969,7 @@
                 <a:spcPct val="80000"/>
               </a:lnSpc>
             </a:pPr>
-            <a:endParaRPr lang="en-US" altLang="zh-TW" sz="2600" dirty="0" smtClean="0"/>
+            <a:endParaRPr lang="en-US" altLang="zh-TW" sz="2600" dirty="0"/>
           </a:p>
           <a:p>
             <a:pPr eaLnBrk="1" hangingPunct="1">
@@ -8322,7 +8977,7 @@
                 <a:spcPct val="80000"/>
               </a:lnSpc>
             </a:pPr>
-            <a:endParaRPr lang="en-US" altLang="zh-TW" sz="2600" dirty="0" smtClean="0"/>
+            <a:endParaRPr lang="en-US" altLang="zh-TW" sz="2600" dirty="0"/>
           </a:p>
         </p:txBody>
       </p:sp>
@@ -8373,22 +9028,21 @@
           <a:lstStyle/>
           <a:p>
             <a:r>
-              <a:rPr lang="en-US" altLang="zh-TW" dirty="0" smtClean="0"/>
+              <a:rPr lang="en-US" altLang="zh-TW" dirty="0"/>
               <a:t>PACS</a:t>
             </a:r>
             <a:r>
-              <a:rPr lang="zh-TW" altLang="en-US" dirty="0" smtClean="0"/>
+              <a:rPr lang="zh-TW" altLang="en-US" dirty="0"/>
               <a:t> </a:t>
             </a:r>
             <a:r>
-              <a:rPr lang="en-US" altLang="zh-TW" dirty="0" smtClean="0"/>
+              <a:rPr lang="en-US" altLang="zh-TW" dirty="0"/>
               <a:t>viewer </a:t>
             </a:r>
             <a:r>
-              <a:rPr lang="zh-TW" altLang="en-US" dirty="0" smtClean="0"/>
+              <a:rPr lang="zh-TW" altLang="en-US" dirty="0"/>
               <a:t>範例</a:t>
             </a:r>
-            <a:endParaRPr lang="zh-TW" altLang="en-US" dirty="0"/>
           </a:p>
         </p:txBody>
       </p:sp>
@@ -8408,19 +9062,19 @@
           <a:lstStyle/>
           <a:p>
             <a:r>
-              <a:rPr lang="en-US" altLang="zh-TW" dirty="0" err="1" smtClean="0"/>
+              <a:rPr lang="en-US" altLang="zh-TW" dirty="0" err="1"/>
               <a:t>RadiAnt</a:t>
             </a:r>
             <a:r>
-              <a:rPr lang="en-US" altLang="zh-TW" dirty="0" smtClean="0"/>
+              <a:rPr lang="en-US" altLang="zh-TW" dirty="0"/>
               <a:t> DICOM viewer</a:t>
             </a:r>
             <a:r>
-              <a:rPr lang="zh-TW" altLang="en-US" dirty="0" smtClean="0"/>
+              <a:rPr lang="zh-TW" altLang="en-US" dirty="0"/>
               <a:t>， </a:t>
             </a:r>
             <a:r>
-              <a:rPr lang="en-US" altLang="zh-TW" dirty="0" smtClean="0"/>
+              <a:rPr lang="en-US" altLang="zh-TW" dirty="0"/>
               <a:t>download:</a:t>
             </a:r>
           </a:p>
@@ -8428,11 +9082,7 @@
             <a:pPr lvl="1"/>
             <a:r>
               <a:rPr lang="en-US" altLang="zh-TW" dirty="0"/>
-              <a:t>https://www.radiantviewer.com</a:t>
-            </a:r>
-            <a:r>
-              <a:rPr lang="en-US" altLang="zh-TW" dirty="0" smtClean="0"/>
-              <a:t>/</a:t>
+              <a:t>https://www.radiantviewer.com/</a:t>
             </a:r>
           </a:p>
           <a:p>
@@ -8440,7 +9090,7 @@
           </a:p>
           <a:p>
             <a:r>
-              <a:rPr lang="en-US" altLang="zh-TW" dirty="0" smtClean="0"/>
+              <a:rPr lang="en-US" altLang="zh-TW" dirty="0"/>
               <a:t>TCU web viewer</a:t>
             </a:r>
           </a:p>
@@ -8448,11 +9098,7 @@
             <a:pPr lvl="1"/>
             <a:r>
               <a:rPr lang="en-US" altLang="zh-TW" dirty="0"/>
-              <a:t>http://</a:t>
-            </a:r>
-            <a:r>
-              <a:rPr lang="en-US" altLang="zh-TW" dirty="0" smtClean="0"/>
-              <a:t>203.64.84.113/t/JsViewer/index.html</a:t>
+              <a:t>http://203.64.84.113/t/JsViewer/index.html</a:t>
             </a:r>
           </a:p>
           <a:p>
@@ -8461,18 +9107,18 @@
           </a:p>
           <a:p>
             <a:r>
-              <a:rPr lang="en-US" altLang="zh-TW" dirty="0" err="1" smtClean="0"/>
+              <a:rPr lang="en-US" altLang="zh-TW" dirty="0" err="1"/>
               <a:t>Github</a:t>
             </a:r>
             <a:r>
-              <a:rPr lang="en-US" altLang="zh-TW" dirty="0" smtClean="0"/>
+              <a:rPr lang="en-US" altLang="zh-TW" dirty="0"/>
               <a:t> DICOM </a:t>
             </a:r>
             <a:r>
-              <a:rPr lang="zh-TW" altLang="en-US" dirty="0" smtClean="0"/>
+              <a:rPr lang="zh-TW" altLang="en-US" dirty="0"/>
               <a:t>影像範例</a:t>
             </a:r>
-            <a:endParaRPr lang="en-US" altLang="zh-TW" dirty="0" smtClean="0"/>
+            <a:endParaRPr lang="en-US" altLang="zh-TW" dirty="0"/>
           </a:p>
           <a:p>
             <a:pPr lvl="1"/>
@@ -8530,18 +9176,9 @@
           <a:lstStyle/>
           <a:p>
             <a:r>
-              <a:rPr lang="zh-TW" altLang="en-US" dirty="0" smtClean="0"/>
-              <a:t>為何要開這</a:t>
-            </a:r>
-            <a:r>
               <a:rPr lang="zh-TW" altLang="en-US" dirty="0"/>
-              <a:t>門</a:t>
-            </a:r>
-            <a:r>
-              <a:rPr lang="zh-TW" altLang="en-US" dirty="0" smtClean="0"/>
-              <a:t>課</a:t>
-            </a:r>
-            <a:endParaRPr lang="zh-TW" altLang="en-US" dirty="0"/>
+              <a:t>為何要開這門課</a:t>
+            </a:r>
           </a:p>
         </p:txBody>
       </p:sp>
@@ -8566,70 +9203,57 @@
           <a:lstStyle/>
           <a:p>
             <a:r>
-              <a:rPr lang="zh-TW" altLang="en-US" dirty="0" smtClean="0"/>
+              <a:rPr lang="zh-TW" altLang="en-US" dirty="0"/>
               <a:t>基於未來醫療，需求眾多，但台灣卻甚少人發展</a:t>
             </a:r>
             <a:r>
-              <a:rPr lang="en-US" altLang="zh-TW" dirty="0" smtClean="0"/>
+              <a:rPr lang="en-US" altLang="zh-TW" dirty="0"/>
               <a:t>! Why?</a:t>
             </a:r>
           </a:p>
           <a:p>
-            <a:endParaRPr lang="en-US" altLang="zh-TW" dirty="0" smtClean="0"/>
-          </a:p>
-          <a:p>
-            <a:r>
-              <a:rPr lang="zh-TW" altLang="en-US" dirty="0" smtClean="0"/>
+            <a:endParaRPr lang="en-US" altLang="zh-TW" dirty="0"/>
+          </a:p>
+          <a:p>
+            <a:r>
+              <a:rPr lang="zh-TW" altLang="en-US" dirty="0"/>
               <a:t>先進之放射治療計畫</a:t>
             </a:r>
             <a:r>
-              <a:rPr lang="en-US" altLang="zh-TW" dirty="0" smtClean="0"/>
+              <a:rPr lang="en-US" altLang="zh-TW" dirty="0"/>
               <a:t>(RT</a:t>
             </a:r>
             <a:r>
-              <a:rPr lang="zh-TW" altLang="en-US" dirty="0" smtClean="0"/>
+              <a:rPr lang="zh-TW" altLang="en-US" dirty="0"/>
               <a:t> </a:t>
             </a:r>
             <a:r>
-              <a:rPr lang="en-US" altLang="zh-TW" dirty="0" smtClean="0"/>
+              <a:rPr lang="en-US" altLang="zh-TW" dirty="0"/>
               <a:t>treatment planning)</a:t>
             </a:r>
           </a:p>
           <a:p>
             <a:pPr lvl="1"/>
             <a:r>
-              <a:rPr lang="zh-TW" altLang="en-US" dirty="0" smtClean="0"/>
+              <a:rPr lang="zh-TW" altLang="en-US" dirty="0"/>
               <a:t> 如質子治療、熱治療治療</a:t>
             </a:r>
-            <a:endParaRPr lang="en-US" altLang="zh-TW" dirty="0" smtClean="0"/>
-          </a:p>
-          <a:p>
-            <a:endParaRPr lang="en-US" altLang="zh-TW" dirty="0" smtClean="0"/>
-          </a:p>
-          <a:p>
-            <a:r>
-              <a:rPr lang="zh-TW" altLang="en-US" dirty="0" smtClean="0"/>
-              <a:t>影像</a:t>
-            </a:r>
+            <a:endParaRPr lang="en-US" altLang="zh-TW" dirty="0"/>
+          </a:p>
+          <a:p>
+            <a:endParaRPr lang="en-US" altLang="zh-TW" dirty="0"/>
+          </a:p>
+          <a:p>
             <a:r>
               <a:rPr lang="zh-TW" altLang="en-US" dirty="0"/>
-              <a:t>導引之</a:t>
-            </a:r>
-            <a:r>
-              <a:rPr lang="zh-TW" altLang="en-US" dirty="0" smtClean="0"/>
-              <a:t>治療，數位開刀房</a:t>
-            </a:r>
-            <a:endParaRPr lang="zh-TW" altLang="en-US" dirty="0"/>
+              <a:t>影像導引之治療，數位開刀房</a:t>
+            </a:r>
           </a:p>
           <a:p>
             <a:pPr lvl="1"/>
             <a:r>
               <a:rPr lang="en-US" altLang="zh-TW" dirty="0"/>
-              <a:t>http://</a:t>
-            </a:r>
-            <a:r>
-              <a:rPr lang="en-US" altLang="zh-TW" dirty="0" smtClean="0"/>
-              <a:t>bionews.com.tw/infoDetail.asp?id=140</a:t>
+              <a:t>http://bionews.com.tw/infoDetail.asp?id=140</a:t>
             </a:r>
           </a:p>
           <a:p>
@@ -8683,10 +9307,9 @@
           <a:lstStyle/>
           <a:p>
             <a:r>
-              <a:rPr lang="zh-TW" altLang="en-US" dirty="0" smtClean="0"/>
+              <a:rPr lang="zh-TW" altLang="en-US" dirty="0"/>
               <a:t>標準化、結構化報告之發展需求</a:t>
             </a:r>
-            <a:endParaRPr lang="zh-TW" altLang="en-US" dirty="0"/>
           </a:p>
         </p:txBody>
       </p:sp>
@@ -8737,73 +9360,70 @@
           <a:lstStyle/>
           <a:p>
             <a:r>
-              <a:rPr lang="zh-TW" altLang="en-US" dirty="0" smtClean="0">
+              <a:rPr lang="zh-TW" altLang="en-US" dirty="0">
                 <a:latin typeface="+mn-ea"/>
               </a:rPr>
               <a:t>傳統報告</a:t>
             </a:r>
             <a:r>
-              <a:rPr lang="en-US" altLang="zh-TW" dirty="0" smtClean="0">
+              <a:rPr lang="en-US" altLang="zh-TW" dirty="0">
                 <a:latin typeface="+mn-ea"/>
               </a:rPr>
               <a:t>:</a:t>
             </a:r>
             <a:r>
-              <a:rPr lang="zh-TW" altLang="en-US" dirty="0" smtClean="0">
+              <a:rPr lang="zh-TW" altLang="en-US" dirty="0">
                 <a:latin typeface="+mn-ea"/>
               </a:rPr>
               <a:t> 單純文字描述，影像發現沒參考到影像標記</a:t>
             </a:r>
-            <a:endParaRPr lang="en-US" altLang="zh-TW" dirty="0" smtClean="0">
+            <a:endParaRPr lang="en-US" altLang="zh-TW" dirty="0">
               <a:latin typeface="+mn-ea"/>
             </a:endParaRPr>
           </a:p>
           <a:p>
             <a:r>
-              <a:rPr lang="zh-TW" altLang="en-US" dirty="0" smtClean="0">
+              <a:rPr lang="zh-TW" altLang="en-US" dirty="0">
                 <a:latin typeface="+mn-ea"/>
               </a:rPr>
               <a:t>結構化報告</a:t>
             </a:r>
             <a:r>
-              <a:rPr lang="en-US" altLang="zh-TW" dirty="0" smtClean="0">
+              <a:rPr lang="en-US" altLang="zh-TW" dirty="0">
                 <a:latin typeface="+mn-ea"/>
               </a:rPr>
               <a:t>:</a:t>
             </a:r>
             <a:r>
-              <a:rPr lang="zh-TW" altLang="en-US" dirty="0" smtClean="0">
+              <a:rPr lang="zh-TW" altLang="en-US" dirty="0">
                 <a:latin typeface="+mn-ea"/>
               </a:rPr>
               <a:t> 報告內項目結構化</a:t>
             </a:r>
             <a:r>
-              <a:rPr lang="en-US" altLang="zh-TW" dirty="0" smtClean="0">
+              <a:rPr lang="en-US" altLang="zh-TW" dirty="0">
                 <a:latin typeface="+mn-ea"/>
               </a:rPr>
               <a:t>(</a:t>
             </a:r>
             <a:r>
-              <a:rPr lang="zh-TW" altLang="en-US" dirty="0" smtClean="0">
+              <a:rPr lang="zh-TW" altLang="en-US" dirty="0">
                 <a:latin typeface="+mn-ea"/>
               </a:rPr>
               <a:t>到所有細節</a:t>
             </a:r>
             <a:r>
-              <a:rPr lang="en-US" altLang="zh-TW" dirty="0" smtClean="0">
+              <a:rPr lang="en-US" altLang="zh-TW" dirty="0">
                 <a:latin typeface="+mn-ea"/>
               </a:rPr>
               <a:t>)</a:t>
             </a:r>
             <a:r>
-              <a:rPr lang="zh-TW" altLang="en-US" dirty="0" smtClean="0">
+              <a:rPr lang="zh-TW" altLang="en-US" dirty="0">
                 <a:latin typeface="+mn-ea"/>
               </a:rPr>
               <a:t>，報告參考到影像及標記</a:t>
             </a:r>
-            <a:endParaRPr lang="zh-TW" altLang="en-US" dirty="0">
-              <a:latin typeface="+mn-ea"/>
-            </a:endParaRPr>
           </a:p>
         </p:txBody>
       </p:sp>
@@ -8913,10 +9533,9 @@
           <a:lstStyle/>
           <a:p>
             <a:r>
-              <a:rPr lang="zh-TW" altLang="en-US" dirty="0" smtClean="0"/>
+              <a:rPr lang="zh-TW" altLang="en-US" dirty="0"/>
               <a:t>結構化報告病兆描述範例</a:t>
             </a:r>
-            <a:endParaRPr lang="zh-TW" altLang="en-US" dirty="0"/>
           </a:p>
         </p:txBody>
       </p:sp>
@@ -8972,53 +9591,53 @@
           <a:lstStyle/>
           <a:p>
             <a:r>
-              <a:rPr lang="zh-TW" altLang="en-US" dirty="0" smtClean="0">
+              <a:rPr lang="zh-TW" altLang="en-US" dirty="0">
                 <a:latin typeface="+mn-ea"/>
               </a:rPr>
               <a:t>參考 </a:t>
             </a:r>
             <a:r>
-              <a:rPr lang="en-US" altLang="zh-TW" dirty="0" smtClean="0">
+              <a:rPr lang="en-US" altLang="zh-TW" dirty="0">
                 <a:latin typeface="+mn-ea"/>
               </a:rPr>
               <a:t>David </a:t>
             </a:r>
             <a:r>
-              <a:rPr lang="en-US" altLang="zh-TW" dirty="0" err="1" smtClean="0">
+              <a:rPr lang="en-US" altLang="zh-TW" dirty="0" err="1">
                 <a:latin typeface="+mn-ea"/>
               </a:rPr>
               <a:t>Culie</a:t>
             </a:r>
             <a:r>
-              <a:rPr lang="en-US" altLang="zh-TW" dirty="0" smtClean="0">
+              <a:rPr lang="en-US" altLang="zh-TW" dirty="0">
                 <a:latin typeface="+mn-ea"/>
               </a:rPr>
               <a:t> DICOM Structure Reporting</a:t>
             </a:r>
             <a:r>
-              <a:rPr lang="zh-TW" altLang="en-US" dirty="0" smtClean="0">
+              <a:rPr lang="zh-TW" altLang="en-US" dirty="0">
                 <a:latin typeface="+mn-ea"/>
               </a:rPr>
               <a:t>，</a:t>
             </a:r>
             <a:r>
-              <a:rPr lang="en-US" altLang="zh-TW" dirty="0" smtClean="0">
+              <a:rPr lang="en-US" altLang="zh-TW" dirty="0">
                 <a:latin typeface="+mn-ea"/>
               </a:rPr>
               <a:t>Mass finding </a:t>
             </a:r>
             <a:r>
-              <a:rPr lang="zh-TW" altLang="en-US" dirty="0" smtClean="0">
+              <a:rPr lang="zh-TW" altLang="en-US" dirty="0">
                 <a:latin typeface="+mn-ea"/>
               </a:rPr>
               <a:t>之詳細描述</a:t>
             </a:r>
-            <a:endParaRPr lang="en-US" altLang="zh-TW" dirty="0" smtClean="0">
+            <a:endParaRPr lang="en-US" altLang="zh-TW" dirty="0">
               <a:latin typeface="+mn-ea"/>
             </a:endParaRPr>
           </a:p>
           <a:p>
-            <a:endParaRPr lang="en-US" altLang="zh-TW" dirty="0" smtClean="0">
+            <a:endParaRPr lang="en-US" altLang="zh-TW" dirty="0">
               <a:latin typeface="+mn-ea"/>
             </a:endParaRPr>
           </a:p>
@@ -9027,28 +9646,10 @@
               <a:rPr lang="zh-TW" altLang="en-US" dirty="0">
                 <a:latin typeface="+mn-ea"/>
               </a:rPr>
-              <a:t>精準</a:t>
-            </a:r>
-            <a:r>
-              <a:rPr lang="zh-TW" altLang="en-US" dirty="0" smtClean="0">
-                <a:latin typeface="+mn-ea"/>
-              </a:rPr>
-              <a:t>醫療、智慧</a:t>
-            </a:r>
-            <a:r>
-              <a:rPr lang="zh-TW" altLang="en-US" dirty="0">
-                <a:latin typeface="+mn-ea"/>
-              </a:rPr>
-              <a:t>醫療的</a:t>
-            </a:r>
-            <a:r>
-              <a:rPr lang="zh-TW" altLang="en-US" dirty="0" smtClean="0">
-                <a:latin typeface="+mn-ea"/>
-              </a:rPr>
-              <a:t>基礎。但卻尚少人開發，</a:t>
-            </a:r>
-            <a:r>
-              <a:rPr lang="en-US" altLang="zh-TW" dirty="0" smtClean="0">
+              <a:t>精準醫療、智慧醫療的基礎。但卻尚少人開發，</a:t>
+            </a:r>
+            <a:r>
+              <a:rPr lang="en-US" altLang="zh-TW" dirty="0">
                 <a:solidFill>
                   <a:srgbClr val="FF0000"/>
                 </a:solidFill>
@@ -9111,19 +9712,19 @@
           <a:lstStyle/>
           <a:p>
             <a:r>
-              <a:rPr lang="zh-TW" altLang="en-US" dirty="0" smtClean="0"/>
+              <a:rPr lang="zh-TW" altLang="en-US" dirty="0"/>
               <a:t>簡單之 </a:t>
             </a:r>
             <a:r>
-              <a:rPr lang="en-US" altLang="zh-TW" dirty="0" smtClean="0"/>
+              <a:rPr lang="en-US" altLang="zh-TW" dirty="0"/>
               <a:t>DICOM</a:t>
             </a:r>
             <a:r>
-              <a:rPr lang="zh-TW" altLang="en-US" dirty="0" smtClean="0"/>
+              <a:rPr lang="zh-TW" altLang="en-US" dirty="0"/>
               <a:t> </a:t>
             </a:r>
             <a:r>
-              <a:rPr lang="en-US" altLang="zh-TW" dirty="0" smtClean="0"/>
+              <a:rPr lang="en-US" altLang="zh-TW" dirty="0"/>
               <a:t>web image viewer</a:t>
             </a:r>
             <a:endParaRPr lang="zh-TW" altLang="en-US" dirty="0"/>
@@ -9146,43 +9747,39 @@
           <a:lstStyle/>
           <a:p>
             <a:r>
-              <a:rPr lang="en-US" altLang="zh-TW" dirty="0" smtClean="0"/>
+              <a:rPr lang="en-US" altLang="zh-TW" dirty="0"/>
               <a:t>TCU</a:t>
             </a:r>
             <a:r>
-              <a:rPr lang="zh-TW" altLang="en-US" dirty="0" smtClean="0"/>
+              <a:rPr lang="zh-TW" altLang="en-US" dirty="0"/>
               <a:t> </a:t>
             </a:r>
             <a:r>
-              <a:rPr lang="en-US" altLang="zh-TW" dirty="0" smtClean="0"/>
+              <a:rPr lang="en-US" altLang="zh-TW" dirty="0"/>
               <a:t>DICOM</a:t>
             </a:r>
             <a:r>
-              <a:rPr lang="zh-TW" altLang="en-US" dirty="0" smtClean="0"/>
+              <a:rPr lang="zh-TW" altLang="en-US" dirty="0"/>
               <a:t> </a:t>
             </a:r>
             <a:r>
-              <a:rPr lang="en-US" altLang="zh-TW" dirty="0" smtClean="0"/>
+              <a:rPr lang="en-US" altLang="zh-TW" dirty="0"/>
               <a:t>Viewer (2020 </a:t>
             </a:r>
             <a:r>
-              <a:rPr lang="zh-TW" altLang="en-US" dirty="0" smtClean="0"/>
+              <a:rPr lang="zh-TW" altLang="en-US" dirty="0"/>
               <a:t>胎兒版</a:t>
             </a:r>
             <a:r>
-              <a:rPr lang="en-US" altLang="zh-TW" dirty="0" smtClean="0"/>
+              <a:rPr lang="en-US" altLang="zh-TW" dirty="0"/>
               <a:t>)</a:t>
             </a:r>
           </a:p>
           <a:p>
             <a:pPr lvl="1"/>
             <a:r>
-              <a:rPr lang="en-US" altLang="zh-TW" dirty="0" smtClean="0"/>
-              <a:t>https</a:t>
-            </a:r>
-            <a:r>
               <a:rPr lang="en-US" altLang="zh-TW" dirty="0"/>
-              <a:t>://mos2718.github.io/TCU_DICOM_Viewer/Index.html</a:t>
+              <a:t>https://mos2718.github.io/TCU_DICOM_Viewer/Index.html</a:t>
             </a:r>
             <a:endParaRPr lang="zh-TW" altLang="en-US" dirty="0"/>
           </a:p>
@@ -9234,10 +9831,9 @@
           <a:lstStyle/>
           <a:p>
             <a:r>
-              <a:rPr lang="zh-TW" altLang="en-US" dirty="0" smtClean="0"/>
+              <a:rPr lang="zh-TW" altLang="en-US" dirty="0"/>
               <a:t>初步之影像結構化報告範例</a:t>
             </a:r>
-            <a:endParaRPr lang="zh-TW" altLang="en-US" dirty="0"/>
           </a:p>
         </p:txBody>
       </p:sp>
